--- a/Föreläsningar/F02 - HTML.pptx
+++ b/Föreläsningar/F02 - HTML.pptx
@@ -34,12 +34,12 @@
     <p:sldId id="318" r:id="rId22"/>
     <p:sldId id="319" r:id="rId23"/>
     <p:sldId id="320" r:id="rId24"/>
-    <p:sldId id="322" r:id="rId25"/>
-    <p:sldId id="310" r:id="rId26"/>
-    <p:sldId id="691" r:id="rId27"/>
-    <p:sldId id="692" r:id="rId28"/>
-    <p:sldId id="693" r:id="rId29"/>
-    <p:sldId id="329" r:id="rId30"/>
+    <p:sldId id="310" r:id="rId25"/>
+    <p:sldId id="691" r:id="rId26"/>
+    <p:sldId id="692" r:id="rId27"/>
+    <p:sldId id="693" r:id="rId28"/>
+    <p:sldId id="329" r:id="rId29"/>
+    <p:sldId id="322" r:id="rId30"/>
     <p:sldId id="688" r:id="rId31"/>
   </p:sldIdLst>
   <p:sldSz cx="9144000" cy="5715000" type="screen16x10"/>
@@ -748,6 +748,91 @@
     <p:extLst>
       <p:ext uri="{BB962C8B-B14F-4D97-AF65-F5344CB8AC3E}">
         <p14:creationId xmlns:p14="http://schemas.microsoft.com/office/powerpoint/2010/main" val="499809831"/>
+      </p:ext>
+    </p:extLst>
+  </p:cSld>
+  <p:clrMapOvr>
+    <a:masterClrMapping/>
+  </p:clrMapOvr>
+</p:notes>
+</file>
+
+<file path=ppt/notesSlides/notesSlide2.xml><?xml version="1.0" encoding="utf-8"?>
+<p:notes xmlns:a="http://schemas.openxmlformats.org/drawingml/2006/main" xmlns:r="http://schemas.openxmlformats.org/officeDocument/2006/relationships" xmlns:p="http://schemas.openxmlformats.org/presentationml/2006/main">
+  <p:cSld>
+    <p:spTree>
+      <p:nvGrpSpPr>
+        <p:cNvPr id="1" name=""/>
+        <p:cNvGrpSpPr/>
+        <p:nvPr/>
+      </p:nvGrpSpPr>
+      <p:grpSpPr>
+        <a:xfrm>
+          <a:off x="0" y="0"/>
+          <a:ext cx="0" cy="0"/>
+          <a:chOff x="0" y="0"/>
+          <a:chExt cx="0" cy="0"/>
+        </a:xfrm>
+      </p:grpSpPr>
+      <p:sp>
+        <p:nvSpPr>
+          <p:cNvPr id="2" name="Slide Image Placeholder 1"/>
+          <p:cNvSpPr>
+            <a:spLocks noGrp="1" noRot="1" noChangeAspect="1"/>
+          </p:cNvSpPr>
+          <p:nvPr>
+            <p:ph type="sldImg"/>
+          </p:nvPr>
+        </p:nvSpPr>
+        <p:spPr/>
+      </p:sp>
+      <p:sp>
+        <p:nvSpPr>
+          <p:cNvPr id="3" name="Notes Placeholder 2"/>
+          <p:cNvSpPr>
+            <a:spLocks noGrp="1"/>
+          </p:cNvSpPr>
+          <p:nvPr>
+            <p:ph type="body" idx="1"/>
+          </p:nvPr>
+        </p:nvSpPr>
+        <p:spPr/>
+        <p:txBody>
+          <a:bodyPr/>
+          <a:lstStyle/>
+          <a:p>
+            <a:endParaRPr lang="en-US" dirty="0"/>
+          </a:p>
+        </p:txBody>
+      </p:sp>
+      <p:sp>
+        <p:nvSpPr>
+          <p:cNvPr id="4" name="Slide Number Placeholder 3"/>
+          <p:cNvSpPr>
+            <a:spLocks noGrp="1"/>
+          </p:cNvSpPr>
+          <p:nvPr>
+            <p:ph type="sldNum" sz="quarter" idx="10"/>
+          </p:nvPr>
+        </p:nvSpPr>
+        <p:spPr/>
+        <p:txBody>
+          <a:bodyPr/>
+          <a:lstStyle/>
+          <a:p>
+            <a:fld id="{87A2DC32-3504-46EA-A4CB-95ED6A325EDF}" type="slidenum">
+              <a:rPr lang="sv-SE" smtClean="0"/>
+              <a:pPr/>
+              <a:t>28</a:t>
+            </a:fld>
+            <a:endParaRPr lang="sv-SE"/>
+          </a:p>
+        </p:txBody>
+      </p:sp>
+    </p:spTree>
+    <p:extLst>
+      <p:ext uri="{BB962C8B-B14F-4D97-AF65-F5344CB8AC3E}">
+        <p14:creationId xmlns:p14="http://schemas.microsoft.com/office/powerpoint/2010/main" val="1855163993"/>
       </p:ext>
     </p:extLst>
   </p:cSld>
@@ -20174,196 +20259,6 @@
           <a:p>
             <a:r>
               <a:rPr lang="sv-SE" dirty="0" smtClean="0"/>
-              <a:t>Taggar</a:t>
-            </a:r>
-            <a:endParaRPr lang="sv-SE" dirty="0"/>
-          </a:p>
-        </p:txBody>
-      </p:sp>
-      <p:sp>
-        <p:nvSpPr>
-          <p:cNvPr id="7" name="Text Box 16"/>
-          <p:cNvSpPr txBox="1">
-            <a:spLocks noChangeArrowheads="1"/>
-          </p:cNvSpPr>
-          <p:nvPr/>
-        </p:nvSpPr>
-        <p:spPr bwMode="auto">
-          <a:xfrm>
-            <a:off x="611560" y="2281436"/>
-            <a:ext cx="7950579" cy="1569660"/>
-          </a:xfrm>
-          <a:prstGeom prst="rect">
-            <a:avLst/>
-          </a:prstGeom>
-          <a:ln>
-            <a:headEnd/>
-            <a:tailEnd/>
-          </a:ln>
-        </p:spPr>
-        <p:style>
-          <a:lnRef idx="1">
-            <a:schemeClr val="accent6"/>
-          </a:lnRef>
-          <a:fillRef idx="2">
-            <a:schemeClr val="accent6"/>
-          </a:fillRef>
-          <a:effectRef idx="1">
-            <a:schemeClr val="accent6"/>
-          </a:effectRef>
-          <a:fontRef idx="minor">
-            <a:schemeClr val="dk1"/>
-          </a:fontRef>
-        </p:style>
-        <p:txBody>
-          <a:bodyPr wrap="square">
-            <a:spAutoFit/>
-          </a:bodyPr>
-          <a:lstStyle/>
-          <a:p>
-            <a:pPr algn="ctr"/>
-            <a:r>
-              <a:rPr lang="sv-SE" sz="3200" b="1" dirty="0" smtClean="0">
-                <a:latin typeface="Courier New" pitchFamily="49" charset="0"/>
-              </a:rPr>
-              <a:t/>
-            </a:r>
-            <a:br>
-              <a:rPr lang="sv-SE" sz="3200" b="1" dirty="0" smtClean="0">
-                <a:latin typeface="Courier New" pitchFamily="49" charset="0"/>
-              </a:rPr>
-            </a:br>
-            <a:r>
-              <a:rPr lang="sv-SE" sz="3200" b="1" dirty="0" smtClean="0">
-                <a:solidFill>
-                  <a:srgbClr val="0070C0"/>
-                </a:solidFill>
-                <a:latin typeface="Courier New" pitchFamily="49" charset="0"/>
-              </a:rPr>
-              <a:t>&lt;div </a:t>
-            </a:r>
-            <a:r>
-              <a:rPr lang="sv-SE" sz="3200" b="1" dirty="0" smtClean="0">
-                <a:solidFill>
-                  <a:srgbClr val="FF0000"/>
-                </a:solidFill>
-                <a:latin typeface="Courier New" pitchFamily="49" charset="0"/>
-              </a:rPr>
-              <a:t>id</a:t>
-            </a:r>
-            <a:r>
-              <a:rPr lang="sv-SE" sz="3200" b="1" dirty="0" smtClean="0">
-                <a:solidFill>
-                  <a:srgbClr val="0070C0"/>
-                </a:solidFill>
-                <a:latin typeface="Courier New" pitchFamily="49" charset="0"/>
-              </a:rPr>
-              <a:t>=</a:t>
-            </a:r>
-            <a:r>
-              <a:rPr lang="sv-SE" sz="3200" b="1" dirty="0" smtClean="0">
-                <a:solidFill>
-                  <a:srgbClr val="7030A0"/>
-                </a:solidFill>
-                <a:latin typeface="Courier New" pitchFamily="49" charset="0"/>
-              </a:rPr>
-              <a:t>”container</a:t>
-            </a:r>
-            <a:r>
-              <a:rPr lang="sv-SE" sz="3200" b="1" dirty="0" smtClean="0">
-                <a:solidFill>
-                  <a:srgbClr val="7030A0"/>
-                </a:solidFill>
-                <a:latin typeface="Courier New" pitchFamily="49" charset="0"/>
-              </a:rPr>
-              <a:t>”</a:t>
-            </a:r>
-            <a:r>
-              <a:rPr lang="sv-SE" sz="3200" b="1" dirty="0" smtClean="0">
-                <a:solidFill>
-                  <a:srgbClr val="0070C0"/>
-                </a:solidFill>
-                <a:latin typeface="Courier New" pitchFamily="49" charset="0"/>
-              </a:rPr>
-              <a:t>&gt;</a:t>
-            </a:r>
-            <a:r>
-              <a:rPr lang="sv-SE" sz="3200" b="1" dirty="0" smtClean="0">
-                <a:latin typeface="Courier New" pitchFamily="49" charset="0"/>
-              </a:rPr>
-              <a:t>Text</a:t>
-            </a:r>
-            <a:r>
-              <a:rPr lang="sv-SE" sz="3200" b="1" dirty="0" smtClean="0">
-                <a:solidFill>
-                  <a:srgbClr val="0070C0"/>
-                </a:solidFill>
-                <a:latin typeface="Courier New" pitchFamily="49" charset="0"/>
-              </a:rPr>
-              <a:t>&lt;/div&gt;</a:t>
-            </a:r>
-          </a:p>
-          <a:p>
-            <a:endParaRPr lang="sv-SE" sz="3200" b="1" dirty="0">
-              <a:latin typeface="Courier New" pitchFamily="49" charset="0"/>
-            </a:endParaRPr>
-          </a:p>
-        </p:txBody>
-      </p:sp>
-    </p:spTree>
-    <p:extLst>
-      <p:ext uri="{BB962C8B-B14F-4D97-AF65-F5344CB8AC3E}">
-        <p14:creationId xmlns:p14="http://schemas.microsoft.com/office/powerpoint/2010/main" val="2787809045"/>
-      </p:ext>
-    </p:extLst>
-  </p:cSld>
-  <p:clrMapOvr>
-    <a:masterClrMapping/>
-  </p:clrMapOvr>
-  <p:timing>
-    <p:tnLst>
-      <p:par>
-        <p:cTn xmlns:p14="http://schemas.microsoft.com/office/powerpoint/2010/main" id="1" dur="indefinite" restart="never" nodeType="tmRoot"/>
-      </p:par>
-    </p:tnLst>
-  </p:timing>
-</p:sld>
-</file>
-
-<file path=ppt/slides/slide25.xml><?xml version="1.0" encoding="utf-8"?>
-<p:sld xmlns:a="http://schemas.openxmlformats.org/drawingml/2006/main" xmlns:r="http://schemas.openxmlformats.org/officeDocument/2006/relationships" xmlns:p="http://schemas.openxmlformats.org/presentationml/2006/main">
-  <p:cSld>
-    <p:spTree>
-      <p:nvGrpSpPr>
-        <p:cNvPr id="1" name=""/>
-        <p:cNvGrpSpPr/>
-        <p:nvPr/>
-      </p:nvGrpSpPr>
-      <p:grpSpPr>
-        <a:xfrm>
-          <a:off x="0" y="0"/>
-          <a:ext cx="0" cy="0"/>
-          <a:chOff x="0" y="0"/>
-          <a:chExt cx="0" cy="0"/>
-        </a:xfrm>
-      </p:grpSpPr>
-      <p:sp>
-        <p:nvSpPr>
-          <p:cNvPr id="2" name="Title 1"/>
-          <p:cNvSpPr>
-            <a:spLocks noGrp="1"/>
-          </p:cNvSpPr>
-          <p:nvPr>
-            <p:ph type="ctrTitle"/>
-          </p:nvPr>
-        </p:nvSpPr>
-        <p:spPr/>
-        <p:txBody>
-          <a:bodyPr/>
-          <a:lstStyle/>
-          <a:p>
-            <a:r>
-              <a:rPr lang="sv-SE" dirty="0" smtClean="0"/>
               <a:t>Validering</a:t>
             </a:r>
             <a:endParaRPr lang="sv-SE" dirty="0"/>
@@ -20660,6 +20555,136 @@
           </a:p>
         </p:txBody>
       </p:sp>
+      <p:grpSp>
+        <p:nvGrpSpPr>
+          <p:cNvPr id="8" name="Group 7"/>
+          <p:cNvGrpSpPr/>
+          <p:nvPr/>
+        </p:nvGrpSpPr>
+        <p:grpSpPr>
+          <a:xfrm>
+            <a:off x="179512" y="5017740"/>
+            <a:ext cx="1368152" cy="504056"/>
+            <a:chOff x="7452320" y="4801716"/>
+            <a:chExt cx="1368152" cy="504056"/>
+          </a:xfrm>
+        </p:grpSpPr>
+        <p:pic>
+          <p:nvPicPr>
+            <p:cNvPr id="9" name="Picture 10" descr="S:\dfm\info\icons\v-collections\v_collections_png\software_graphics_media\64x64\shadow\film.png"/>
+            <p:cNvPicPr>
+              <a:picLocks noChangeAspect="1" noChangeArrowheads="1"/>
+            </p:cNvPicPr>
+            <p:nvPr/>
+          </p:nvPicPr>
+          <p:blipFill>
+            <a:blip r:embed="rId4">
+              <a:extLst>
+                <a:ext uri="{28A0092B-C50C-407E-A947-70E740481C1C}">
+                  <a14:useLocalDpi xmlns:a14="http://schemas.microsoft.com/office/drawing/2010/main" val="0"/>
+                </a:ext>
+              </a:extLst>
+            </a:blip>
+            <a:srcRect/>
+            <a:stretch>
+              <a:fillRect/>
+            </a:stretch>
+          </p:blipFill>
+          <p:spPr bwMode="auto">
+            <a:xfrm>
+              <a:off x="7537287" y="4906855"/>
+              <a:ext cx="288032" cy="288032"/>
+            </a:xfrm>
+            <a:prstGeom prst="rect">
+              <a:avLst/>
+            </a:prstGeom>
+            <a:noFill/>
+            <a:extLst>
+              <a:ext uri="{909E8E84-426E-40dd-AFC4-6F175D3DCCD1}">
+                <a14:hiddenFill xmlns:a14="http://schemas.microsoft.com/office/drawing/2010/main">
+                  <a:solidFill>
+                    <a:srgbClr val="FFFFFF"/>
+                  </a:solidFill>
+                </a14:hiddenFill>
+              </a:ext>
+            </a:extLst>
+          </p:spPr>
+        </p:pic>
+        <p:sp>
+          <p:nvSpPr>
+            <p:cNvPr id="10" name="TextBox 9"/>
+            <p:cNvSpPr txBox="1"/>
+            <p:nvPr/>
+          </p:nvSpPr>
+          <p:spPr>
+            <a:xfrm>
+              <a:off x="7740352" y="4873724"/>
+              <a:ext cx="1080119" cy="338554"/>
+            </a:xfrm>
+            <a:prstGeom prst="rect">
+              <a:avLst/>
+            </a:prstGeom>
+            <a:noFill/>
+          </p:spPr>
+          <p:txBody>
+            <a:bodyPr wrap="square" rtlCol="0">
+              <a:spAutoFit/>
+            </a:bodyPr>
+            <a:lstStyle/>
+            <a:p>
+              <a:pPr algn="ctr"/>
+              <a:r>
+                <a:rPr lang="sv-SE" sz="1600" dirty="0" smtClean="0">
+                  <a:latin typeface="Minya Nouvelle" pitchFamily="2" charset="0"/>
+                </a:rPr>
+                <a:t>Se demo </a:t>
+              </a:r>
+            </a:p>
+          </p:txBody>
+        </p:sp>
+        <p:sp>
+          <p:nvSpPr>
+            <p:cNvPr id="11" name="Rounded Rectangle 10"/>
+            <p:cNvSpPr/>
+            <p:nvPr/>
+          </p:nvSpPr>
+          <p:spPr>
+            <a:xfrm>
+              <a:off x="7452320" y="4801716"/>
+              <a:ext cx="1368152" cy="504056"/>
+            </a:xfrm>
+            <a:prstGeom prst="roundRect">
+              <a:avLst/>
+            </a:prstGeom>
+            <a:noFill/>
+            <a:ln>
+              <a:tailEnd type="arrow"/>
+            </a:ln>
+          </p:spPr>
+          <p:style>
+            <a:lnRef idx="2">
+              <a:schemeClr val="accent6"/>
+            </a:lnRef>
+            <a:fillRef idx="1">
+              <a:schemeClr val="lt1"/>
+            </a:fillRef>
+            <a:effectRef idx="0">
+              <a:schemeClr val="accent6"/>
+            </a:effectRef>
+            <a:fontRef idx="minor">
+              <a:schemeClr val="dk1"/>
+            </a:fontRef>
+          </p:style>
+          <p:txBody>
+            <a:bodyPr rtlCol="0" anchor="ctr"/>
+            <a:lstStyle/>
+            <a:p>
+              <a:pPr algn="ctr"/>
+              <a:endParaRPr lang="sv-SE"/>
+            </a:p>
+          </p:txBody>
+        </p:sp>
+      </p:grpSp>
     </p:spTree>
     <p:extLst>
       <p:ext uri="{BB962C8B-B14F-4D97-AF65-F5344CB8AC3E}">
@@ -20680,7 +20705,7 @@
 </p:sld>
 </file>
 
-<file path=ppt/slides/slide26.xml><?xml version="1.0" encoding="utf-8"?>
+<file path=ppt/slides/slide25.xml><?xml version="1.0" encoding="utf-8"?>
 <p:sld xmlns:a="http://schemas.openxmlformats.org/drawingml/2006/main" xmlns:r="http://schemas.openxmlformats.org/officeDocument/2006/relationships" xmlns:p="http://schemas.openxmlformats.org/presentationml/2006/main">
   <p:cSld>
     <p:spTree>
@@ -20916,7 +20941,7 @@
 </p:sld>
 </file>
 
-<file path=ppt/slides/slide27.xml><?xml version="1.0" encoding="utf-8"?>
+<file path=ppt/slides/slide26.xml><?xml version="1.0" encoding="utf-8"?>
 <p:sld xmlns:a="http://schemas.openxmlformats.org/drawingml/2006/main" xmlns:r="http://schemas.openxmlformats.org/officeDocument/2006/relationships" xmlns:p="http://schemas.openxmlformats.org/presentationml/2006/main">
   <p:cSld>
     <p:spTree>
@@ -23001,7 +23026,7 @@
 </p:sld>
 </file>
 
-<file path=ppt/slides/slide28.xml><?xml version="1.0" encoding="utf-8"?>
+<file path=ppt/slides/slide27.xml><?xml version="1.0" encoding="utf-8"?>
 <p:sld xmlns:a="http://schemas.openxmlformats.org/drawingml/2006/main" xmlns:r="http://schemas.openxmlformats.org/officeDocument/2006/relationships" xmlns:p="http://schemas.openxmlformats.org/presentationml/2006/main">
   <p:cSld>
     <p:spTree>
@@ -23328,7 +23353,7 @@
 </p:sld>
 </file>
 
-<file path=ppt/slides/slide29.xml><?xml version="1.0" encoding="utf-8"?>
+<file path=ppt/slides/slide28.xml><?xml version="1.0" encoding="utf-8"?>
 <p:sld xmlns:a="http://schemas.openxmlformats.org/drawingml/2006/main" xmlns:r="http://schemas.openxmlformats.org/officeDocument/2006/relationships" xmlns:p="http://schemas.openxmlformats.org/presentationml/2006/main">
   <p:cSld>
     <p:spTree>
@@ -23434,7 +23459,7 @@
           <p:nvPr/>
         </p:nvPicPr>
         <p:blipFill>
-          <a:blip r:embed="rId2">
+          <a:blip r:embed="rId3">
             <a:extLst>
               <a:ext uri="{28A0092B-C50C-407E-A947-70E740481C1C}">
                 <a14:useLocalDpi xmlns:a14="http://schemas.microsoft.com/office/drawing/2010/main" val="0"/>
@@ -23450,66 +23475,6 @@
           <a:xfrm>
             <a:off x="467544" y="1057300"/>
             <a:ext cx="2016224" cy="1378741"/>
-          </a:xfrm>
-          <a:prstGeom prst="rect">
-            <a:avLst/>
-          </a:prstGeom>
-          <a:ln>
-            <a:noFill/>
-          </a:ln>
-          <a:effectLst>
-            <a:outerShdw blurRad="190500" algn="tl" rotWithShape="0">
-              <a:srgbClr val="000000">
-                <a:alpha val="70000"/>
-              </a:srgbClr>
-            </a:outerShdw>
-          </a:effectLst>
-          <a:extLst>
-            <a:ext uri="{909E8E84-426E-40dd-AFC4-6F175D3DCCD1}">
-              <a14:hiddenFill xmlns:a14="http://schemas.microsoft.com/office/drawing/2010/main">
-                <a:solidFill>
-                  <a:schemeClr val="accent1"/>
-                </a:solidFill>
-              </a14:hiddenFill>
-            </a:ext>
-            <a:ext uri="{91240B29-F687-4f45-9708-019B960494DF}">
-              <a14:hiddenLine xmlns:a14="http://schemas.microsoft.com/office/drawing/2010/main" w="9525">
-                <a:solidFill>
-                  <a:schemeClr val="tx1"/>
-                </a:solidFill>
-                <a:miter lim="800000"/>
-                <a:headEnd/>
-                <a:tailEnd/>
-              </a14:hiddenLine>
-            </a:ext>
-          </a:extLst>
-        </p:spPr>
-      </p:pic>
-      <p:pic>
-        <p:nvPicPr>
-          <p:cNvPr id="97283" name="Picture 3"/>
-          <p:cNvPicPr>
-            <a:picLocks noChangeAspect="1" noChangeArrowheads="1"/>
-          </p:cNvPicPr>
-          <p:nvPr/>
-        </p:nvPicPr>
-        <p:blipFill>
-          <a:blip r:embed="rId3">
-            <a:extLst>
-              <a:ext uri="{28A0092B-C50C-407E-A947-70E740481C1C}">
-                <a14:useLocalDpi xmlns:a14="http://schemas.microsoft.com/office/drawing/2010/main" val="0"/>
-              </a:ext>
-            </a:extLst>
-          </a:blip>
-          <a:srcRect/>
-          <a:stretch>
-            <a:fillRect/>
-          </a:stretch>
-        </p:blipFill>
-        <p:spPr bwMode="auto">
-          <a:xfrm>
-            <a:off x="470833" y="2569468"/>
-            <a:ext cx="2012935" cy="1328537"/>
           </a:xfrm>
           <a:prstGeom prst="rect">
             <a:avLst/>
@@ -23730,6 +23695,46 @@
           </a:fontRef>
         </p:style>
       </p:cxnSp>
+      <p:pic>
+        <p:nvPicPr>
+          <p:cNvPr id="5" name="Picture 4" descr="Skärmavbild 2013-09-06 kl. 10.47.26.png"/>
+          <p:cNvPicPr>
+            <a:picLocks noChangeAspect="1"/>
+          </p:cNvPicPr>
+          <p:nvPr/>
+        </p:nvPicPr>
+        <p:blipFill>
+          <a:blip r:embed="rId5">
+            <a:extLst>
+              <a:ext uri="{28A0092B-C50C-407E-A947-70E740481C1C}">
+                <a14:useLocalDpi xmlns:a14="http://schemas.microsoft.com/office/drawing/2010/main" val="0"/>
+              </a:ext>
+            </a:extLst>
+          </a:blip>
+          <a:stretch>
+            <a:fillRect/>
+          </a:stretch>
+        </p:blipFill>
+        <p:spPr>
+          <a:xfrm>
+            <a:off x="467544" y="2569468"/>
+            <a:ext cx="2016224" cy="1232220"/>
+          </a:xfrm>
+          <a:prstGeom prst="rect">
+            <a:avLst/>
+          </a:prstGeom>
+          <a:ln>
+            <a:noFill/>
+          </a:ln>
+          <a:effectLst>
+            <a:outerShdw blurRad="292100" dist="139700" dir="2700000" algn="tl" rotWithShape="0">
+              <a:srgbClr val="333333">
+                <a:alpha val="65000"/>
+              </a:srgbClr>
+            </a:outerShdw>
+          </a:effectLst>
+        </p:spPr>
+      </p:pic>
     </p:spTree>
     <p:extLst>
       <p:ext uri="{BB962C8B-B14F-4D97-AF65-F5344CB8AC3E}">
@@ -23752,6 +23757,9 @@
                     <p:cTn id="3" fill="hold">
                       <p:stCondLst>
                         <p:cond delay="indefinite"/>
+                        <p:cond evt="onBegin" delay="0">
+                          <p:tn val="2"/>
+                        </p:cond>
                       </p:stCondLst>
                       <p:childTnLst>
                         <p:par>
@@ -23761,7 +23769,7 @@
                             </p:stCondLst>
                             <p:childTnLst>
                               <p:par>
-                                <p:cTn id="5" presetID="10" presetClass="entr" presetSubtype="0" fill="hold" nodeType="clickEffect">
+                                <p:cTn id="5" presetID="10" presetClass="entr" presetSubtype="0" fill="hold" grpId="0" nodeType="withEffect">
                                   <p:stCondLst>
                                     <p:cond delay="0"/>
                                   </p:stCondLst>
@@ -23769,41 +23777,6 @@
                                     <p:set>
                                       <p:cBhvr>
                                         <p:cTn id="6" dur="1" fill="hold">
-                                          <p:stCondLst>
-                                            <p:cond delay="0"/>
-                                          </p:stCondLst>
-                                        </p:cTn>
-                                        <p:tgtEl>
-                                          <p:spTgt spid="97283"/>
-                                        </p:tgtEl>
-                                        <p:attrNameLst>
-                                          <p:attrName>style.visibility</p:attrName>
-                                        </p:attrNameLst>
-                                      </p:cBhvr>
-                                      <p:to>
-                                        <p:strVal val="visible"/>
-                                      </p:to>
-                                    </p:set>
-                                    <p:animEffect transition="in" filter="fade">
-                                      <p:cBhvr>
-                                        <p:cTn id="7" dur="500"/>
-                                        <p:tgtEl>
-                                          <p:spTgt spid="97283"/>
-                                        </p:tgtEl>
-                                      </p:cBhvr>
-                                    </p:animEffect>
-                                  </p:childTnLst>
-                                </p:cTn>
-                              </p:par>
-                              <p:par>
-                                <p:cTn id="8" presetID="10" presetClass="entr" presetSubtype="0" fill="hold" grpId="0" nodeType="withEffect">
-                                  <p:stCondLst>
-                                    <p:cond delay="0"/>
-                                  </p:stCondLst>
-                                  <p:childTnLst>
-                                    <p:set>
-                                      <p:cBhvr>
-                                        <p:cTn id="9" dur="1" fill="hold">
                                           <p:stCondLst>
                                             <p:cond delay="0"/>
                                           </p:stCondLst>
@@ -23821,7 +23794,7 @@
                                     </p:set>
                                     <p:animEffect transition="in" filter="fade">
                                       <p:cBhvr>
-                                        <p:cTn id="10" dur="500"/>
+                                        <p:cTn id="7" dur="500"/>
                                         <p:tgtEl>
                                           <p:spTgt spid="7"/>
                                         </p:tgtEl>
@@ -23837,26 +23810,26 @@
                     </p:cTn>
                   </p:par>
                   <p:par>
-                    <p:cTn id="11" fill="hold">
+                    <p:cTn id="8" fill="hold">
                       <p:stCondLst>
                         <p:cond delay="indefinite"/>
                       </p:stCondLst>
                       <p:childTnLst>
                         <p:par>
-                          <p:cTn id="12" fill="hold">
+                          <p:cTn id="9" fill="hold">
                             <p:stCondLst>
                               <p:cond delay="0"/>
                             </p:stCondLst>
                             <p:childTnLst>
                               <p:par>
-                                <p:cTn id="13" presetID="10" presetClass="entr" presetSubtype="0" fill="hold" nodeType="clickEffect">
+                                <p:cTn id="10" presetID="10" presetClass="entr" presetSubtype="0" fill="hold" nodeType="clickEffect">
                                   <p:stCondLst>
                                     <p:cond delay="0"/>
                                   </p:stCondLst>
                                   <p:childTnLst>
                                     <p:set>
                                       <p:cBhvr>
-                                        <p:cTn id="14" dur="1" fill="hold">
+                                        <p:cTn id="11" dur="1" fill="hold">
                                           <p:stCondLst>
                                             <p:cond delay="0"/>
                                           </p:stCondLst>
@@ -23874,7 +23847,7 @@
                                     </p:set>
                                     <p:animEffect transition="in" filter="fade">
                                       <p:cBhvr>
-                                        <p:cTn id="15" dur="500"/>
+                                        <p:cTn id="12" dur="500"/>
                                         <p:tgtEl>
                                           <p:spTgt spid="97284"/>
                                         </p:tgtEl>
@@ -23884,14 +23857,14 @@
                                 </p:cTn>
                               </p:par>
                               <p:par>
-                                <p:cTn id="16" presetID="10" presetClass="entr" presetSubtype="0" fill="hold" grpId="0" nodeType="withEffect">
+                                <p:cTn id="13" presetID="10" presetClass="entr" presetSubtype="0" fill="hold" grpId="0" nodeType="withEffect">
                                   <p:stCondLst>
                                     <p:cond delay="0"/>
                                   </p:stCondLst>
                                   <p:childTnLst>
                                     <p:set>
                                       <p:cBhvr>
-                                        <p:cTn id="17" dur="1" fill="hold">
+                                        <p:cTn id="14" dur="1" fill="hold">
                                           <p:stCondLst>
                                             <p:cond delay="0"/>
                                           </p:stCondLst>
@@ -23909,7 +23882,7 @@
                                     </p:set>
                                     <p:animEffect transition="in" filter="fade">
                                       <p:cBhvr>
-                                        <p:cTn id="18" dur="500"/>
+                                        <p:cTn id="15" dur="500"/>
                                         <p:tgtEl>
                                           <p:spTgt spid="9"/>
                                         </p:tgtEl>
@@ -23925,26 +23898,26 @@
                     </p:cTn>
                   </p:par>
                   <p:par>
-                    <p:cTn id="19" fill="hold">
+                    <p:cTn id="16" fill="hold">
                       <p:stCondLst>
                         <p:cond delay="indefinite"/>
                       </p:stCondLst>
                       <p:childTnLst>
                         <p:par>
-                          <p:cTn id="20" fill="hold">
+                          <p:cTn id="17" fill="hold">
                             <p:stCondLst>
                               <p:cond delay="0"/>
                             </p:stCondLst>
                             <p:childTnLst>
                               <p:par>
-                                <p:cTn id="21" presetID="53" presetClass="entr" presetSubtype="16" fill="hold" nodeType="clickEffect">
+                                <p:cTn id="18" presetID="53" presetClass="entr" presetSubtype="16" fill="hold" nodeType="clickEffect">
                                   <p:stCondLst>
                                     <p:cond delay="0"/>
                                   </p:stCondLst>
                                   <p:childTnLst>
                                     <p:set>
                                       <p:cBhvr>
-                                        <p:cTn id="22" dur="1" fill="hold">
+                                        <p:cTn id="19" dur="1" fill="hold">
                                           <p:stCondLst>
                                             <p:cond delay="0"/>
                                           </p:stCondLst>
@@ -23962,7 +23935,7 @@
                                     </p:set>
                                     <p:anim calcmode="lin" valueType="num">
                                       <p:cBhvr>
-                                        <p:cTn id="23" dur="500" fill="hold"/>
+                                        <p:cTn id="20" dur="500" fill="hold"/>
                                         <p:tgtEl>
                                           <p:spTgt spid="6"/>
                                         </p:tgtEl>
@@ -23985,7 +23958,7 @@
                                     </p:anim>
                                     <p:anim calcmode="lin" valueType="num">
                                       <p:cBhvr>
-                                        <p:cTn id="24" dur="500" fill="hold"/>
+                                        <p:cTn id="21" dur="500" fill="hold"/>
                                         <p:tgtEl>
                                           <p:spTgt spid="6"/>
                                         </p:tgtEl>
@@ -24008,7 +23981,7 @@
                                     </p:anim>
                                     <p:animEffect transition="in" filter="fade">
                                       <p:cBhvr>
-                                        <p:cTn id="25" dur="500"/>
+                                        <p:cTn id="22" dur="500"/>
                                         <p:tgtEl>
                                           <p:spTgt spid="6"/>
                                         </p:tgtEl>
@@ -24048,6 +24021,196 @@
       <p:bldP spid="7" grpId="0"/>
       <p:bldP spid="9" grpId="0"/>
     </p:bldLst>
+  </p:timing>
+</p:sld>
+</file>
+
+<file path=ppt/slides/slide29.xml><?xml version="1.0" encoding="utf-8"?>
+<p:sld xmlns:a="http://schemas.openxmlformats.org/drawingml/2006/main" xmlns:r="http://schemas.openxmlformats.org/officeDocument/2006/relationships" xmlns:p="http://schemas.openxmlformats.org/presentationml/2006/main">
+  <p:cSld>
+    <p:spTree>
+      <p:nvGrpSpPr>
+        <p:cNvPr id="1" name=""/>
+        <p:cNvGrpSpPr/>
+        <p:nvPr/>
+      </p:nvGrpSpPr>
+      <p:grpSpPr>
+        <a:xfrm>
+          <a:off x="0" y="0"/>
+          <a:ext cx="0" cy="0"/>
+          <a:chOff x="0" y="0"/>
+          <a:chExt cx="0" cy="0"/>
+        </a:xfrm>
+      </p:grpSpPr>
+      <p:sp>
+        <p:nvSpPr>
+          <p:cNvPr id="2" name="Title 1"/>
+          <p:cNvSpPr>
+            <a:spLocks noGrp="1"/>
+          </p:cNvSpPr>
+          <p:nvPr>
+            <p:ph type="ctrTitle"/>
+          </p:nvPr>
+        </p:nvSpPr>
+        <p:spPr/>
+        <p:txBody>
+          <a:bodyPr/>
+          <a:lstStyle/>
+          <a:p>
+            <a:r>
+              <a:rPr lang="sv-SE" dirty="0" smtClean="0"/>
+              <a:t>Taggar</a:t>
+            </a:r>
+            <a:endParaRPr lang="sv-SE" dirty="0"/>
+          </a:p>
+        </p:txBody>
+      </p:sp>
+      <p:sp>
+        <p:nvSpPr>
+          <p:cNvPr id="7" name="Text Box 16"/>
+          <p:cNvSpPr txBox="1">
+            <a:spLocks noChangeArrowheads="1"/>
+          </p:cNvSpPr>
+          <p:nvPr/>
+        </p:nvSpPr>
+        <p:spPr bwMode="auto">
+          <a:xfrm>
+            <a:off x="611560" y="2281436"/>
+            <a:ext cx="7950579" cy="1569660"/>
+          </a:xfrm>
+          <a:prstGeom prst="rect">
+            <a:avLst/>
+          </a:prstGeom>
+          <a:ln>
+            <a:headEnd/>
+            <a:tailEnd/>
+          </a:ln>
+        </p:spPr>
+        <p:style>
+          <a:lnRef idx="1">
+            <a:schemeClr val="accent6"/>
+          </a:lnRef>
+          <a:fillRef idx="2">
+            <a:schemeClr val="accent6"/>
+          </a:fillRef>
+          <a:effectRef idx="1">
+            <a:schemeClr val="accent6"/>
+          </a:effectRef>
+          <a:fontRef idx="minor">
+            <a:schemeClr val="dk1"/>
+          </a:fontRef>
+        </p:style>
+        <p:txBody>
+          <a:bodyPr wrap="square">
+            <a:spAutoFit/>
+          </a:bodyPr>
+          <a:lstStyle/>
+          <a:p>
+            <a:pPr algn="ctr"/>
+            <a:r>
+              <a:rPr lang="sv-SE" sz="3200" b="1" dirty="0" smtClean="0">
+                <a:latin typeface="Courier New" pitchFamily="49" charset="0"/>
+              </a:rPr>
+              <a:t/>
+            </a:r>
+            <a:br>
+              <a:rPr lang="sv-SE" sz="3200" b="1" dirty="0" smtClean="0">
+                <a:latin typeface="Courier New" pitchFamily="49" charset="0"/>
+              </a:rPr>
+            </a:br>
+            <a:r>
+              <a:rPr lang="sv-SE" sz="3200" b="1" dirty="0" smtClean="0">
+                <a:solidFill>
+                  <a:srgbClr val="0070C0"/>
+                </a:solidFill>
+                <a:latin typeface="Courier New" pitchFamily="49" charset="0"/>
+              </a:rPr>
+              <a:t>&lt;div </a:t>
+            </a:r>
+            <a:r>
+              <a:rPr lang="sv-SE" sz="3200" b="1" dirty="0" smtClean="0">
+                <a:solidFill>
+                  <a:srgbClr val="FF0000"/>
+                </a:solidFill>
+                <a:latin typeface="Courier New" pitchFamily="49" charset="0"/>
+              </a:rPr>
+              <a:t>id</a:t>
+            </a:r>
+            <a:r>
+              <a:rPr lang="sv-SE" sz="3200" b="1" dirty="0" smtClean="0">
+                <a:solidFill>
+                  <a:srgbClr val="0070C0"/>
+                </a:solidFill>
+                <a:latin typeface="Courier New" pitchFamily="49" charset="0"/>
+              </a:rPr>
+              <a:t>=</a:t>
+            </a:r>
+            <a:r>
+              <a:rPr lang="sv-SE" sz="3200" b="1" dirty="0" smtClean="0">
+                <a:solidFill>
+                  <a:srgbClr val="7030A0"/>
+                </a:solidFill>
+                <a:latin typeface="Courier New" pitchFamily="49" charset="0"/>
+              </a:rPr>
+              <a:t>”container</a:t>
+            </a:r>
+            <a:r>
+              <a:rPr lang="sv-SE" sz="3200" b="1" dirty="0" smtClean="0">
+                <a:solidFill>
+                  <a:srgbClr val="7030A0"/>
+                </a:solidFill>
+                <a:latin typeface="Courier New" pitchFamily="49" charset="0"/>
+              </a:rPr>
+              <a:t>”</a:t>
+            </a:r>
+            <a:r>
+              <a:rPr lang="sv-SE" sz="3200" b="1" dirty="0" smtClean="0">
+                <a:solidFill>
+                  <a:srgbClr val="0070C0"/>
+                </a:solidFill>
+                <a:latin typeface="Courier New" pitchFamily="49" charset="0"/>
+              </a:rPr>
+              <a:t>&gt;</a:t>
+            </a:r>
+            <a:r>
+              <a:rPr lang="sv-SE" sz="3200" b="1" dirty="0" smtClean="0">
+                <a:latin typeface="Courier New" pitchFamily="49" charset="0"/>
+              </a:rPr>
+              <a:t>Text</a:t>
+            </a:r>
+            <a:r>
+              <a:rPr lang="sv-SE" sz="3200" b="1" dirty="0" smtClean="0">
+                <a:solidFill>
+                  <a:srgbClr val="0070C0"/>
+                </a:solidFill>
+                <a:latin typeface="Courier New" pitchFamily="49" charset="0"/>
+              </a:rPr>
+              <a:t>&lt;/div&gt;</a:t>
+            </a:r>
+          </a:p>
+          <a:p>
+            <a:endParaRPr lang="sv-SE" sz="3200" b="1" dirty="0">
+              <a:latin typeface="Courier New" pitchFamily="49" charset="0"/>
+            </a:endParaRPr>
+          </a:p>
+        </p:txBody>
+      </p:sp>
+    </p:spTree>
+    <p:extLst>
+      <p:ext uri="{BB962C8B-B14F-4D97-AF65-F5344CB8AC3E}">
+        <p14:creationId xmlns:p14="http://schemas.microsoft.com/office/powerpoint/2010/main" val="2787809045"/>
+      </p:ext>
+    </p:extLst>
+  </p:cSld>
+  <p:clrMapOvr>
+    <a:masterClrMapping/>
+  </p:clrMapOvr>
+  <p:timing>
+    <p:tnLst>
+      <p:par>
+        <p:cTn xmlns:p14="http://schemas.microsoft.com/office/powerpoint/2010/main" id="1" dur="indefinite" restart="never" nodeType="tmRoot"/>
+      </p:par>
+    </p:tnLst>
   </p:timing>
 </p:sld>
 </file>
@@ -24184,23 +24347,474 @@
       </p:sp>
       <p:sp>
         <p:nvSpPr>
-          <p:cNvPr id="3" name="Subtitle 2"/>
-          <p:cNvSpPr>
-            <a:spLocks noGrp="1"/>
-          </p:cNvSpPr>
-          <p:nvPr>
-            <p:ph type="subTitle" idx="1"/>
-          </p:nvPr>
+          <p:cNvPr id="4" name="TextBox 3"/>
+          <p:cNvSpPr txBox="1"/>
+          <p:nvPr/>
         </p:nvSpPr>
-        <p:spPr/>
+        <p:spPr>
+          <a:xfrm>
+            <a:off x="2267744" y="1489348"/>
+            <a:ext cx="4896544" cy="3693319"/>
+          </a:xfrm>
+          <a:prstGeom prst="rect">
+            <a:avLst/>
+          </a:prstGeom>
+          <a:noFill/>
+        </p:spPr>
         <p:txBody>
-          <a:bodyPr/>
+          <a:bodyPr wrap="square" rtlCol="0">
+            <a:spAutoFit/>
+          </a:bodyPr>
           <a:lstStyle/>
           <a:p>
-            <a:endParaRPr lang="en-US"/>
+            <a:r>
+              <a:rPr lang="en-US" b="1" dirty="0">
+                <a:latin typeface="Minya Nouvelle" pitchFamily="2" charset="0"/>
+              </a:rPr>
+              <a:t>h</a:t>
+            </a:r>
+            <a:r>
+              <a:rPr lang="en-US" b="1" dirty="0" smtClean="0">
+                <a:latin typeface="Minya Nouvelle" pitchFamily="2" charset="0"/>
+              </a:rPr>
+              <a:t>1-h6</a:t>
+            </a:r>
+            <a:r>
+              <a:rPr lang="en-US" dirty="0" smtClean="0">
+                <a:latin typeface="Minya Nouvelle" pitchFamily="2" charset="0"/>
+              </a:rPr>
+              <a:t>		</a:t>
+            </a:r>
+            <a:r>
+              <a:rPr lang="en-US" dirty="0" err="1" smtClean="0">
+                <a:latin typeface="Minya Nouvelle" pitchFamily="2" charset="0"/>
+              </a:rPr>
+              <a:t>Rubriknivåer</a:t>
+            </a:r>
+            <a:endParaRPr lang="en-US" dirty="0" smtClean="0">
+              <a:latin typeface="Minya Nouvelle" pitchFamily="2" charset="0"/>
+            </a:endParaRPr>
+          </a:p>
+          <a:p>
+            <a:r>
+              <a:rPr lang="en-US" b="1" dirty="0">
+                <a:latin typeface="Minya Nouvelle" pitchFamily="2" charset="0"/>
+              </a:rPr>
+              <a:t>p</a:t>
+            </a:r>
+            <a:r>
+              <a:rPr lang="en-US" dirty="0" smtClean="0">
+                <a:latin typeface="Minya Nouvelle" pitchFamily="2" charset="0"/>
+              </a:rPr>
+              <a:t>		</a:t>
+            </a:r>
+            <a:r>
+              <a:rPr lang="en-US" dirty="0" err="1" smtClean="0">
+                <a:latin typeface="Minya Nouvelle" pitchFamily="2" charset="0"/>
+              </a:rPr>
+              <a:t>Stycke</a:t>
+            </a:r>
+            <a:endParaRPr lang="en-US" dirty="0" smtClean="0">
+              <a:latin typeface="Minya Nouvelle" pitchFamily="2" charset="0"/>
+            </a:endParaRPr>
+          </a:p>
+          <a:p>
+            <a:r>
+              <a:rPr lang="en-US" b="1" dirty="0" err="1" smtClean="0">
+                <a:latin typeface="Minya Nouvelle" pitchFamily="2" charset="0"/>
+              </a:rPr>
+              <a:t>ul</a:t>
+            </a:r>
+            <a:r>
+              <a:rPr lang="en-US" b="1" dirty="0" smtClean="0">
+                <a:latin typeface="Minya Nouvelle" pitchFamily="2" charset="0"/>
+              </a:rPr>
+              <a:t>, </a:t>
+            </a:r>
+            <a:r>
+              <a:rPr lang="en-US" b="1" dirty="0" err="1" smtClean="0">
+                <a:latin typeface="Minya Nouvelle" pitchFamily="2" charset="0"/>
+              </a:rPr>
+              <a:t>ol</a:t>
+            </a:r>
+            <a:r>
+              <a:rPr lang="en-US" b="1" dirty="0" smtClean="0">
+                <a:latin typeface="Minya Nouvelle" pitchFamily="2" charset="0"/>
+              </a:rPr>
+              <a:t>, dl</a:t>
+            </a:r>
+            <a:r>
+              <a:rPr lang="en-US" dirty="0" smtClean="0">
+                <a:latin typeface="Minya Nouvelle" pitchFamily="2" charset="0"/>
+              </a:rPr>
+              <a:t>		</a:t>
+            </a:r>
+            <a:r>
+              <a:rPr lang="en-US" dirty="0" err="1" smtClean="0">
+                <a:latin typeface="Minya Nouvelle" pitchFamily="2" charset="0"/>
+              </a:rPr>
+              <a:t>Listor</a:t>
+            </a:r>
+            <a:endParaRPr lang="en-US" dirty="0" smtClean="0">
+              <a:latin typeface="Minya Nouvelle" pitchFamily="2" charset="0"/>
+            </a:endParaRPr>
+          </a:p>
+          <a:p>
+            <a:r>
+              <a:rPr lang="en-US" b="1" dirty="0" smtClean="0">
+                <a:latin typeface="Minya Nouvelle" pitchFamily="2" charset="0"/>
+              </a:rPr>
+              <a:t>div, span	</a:t>
+            </a:r>
+            <a:r>
+              <a:rPr lang="en-US" dirty="0" err="1" smtClean="0">
+                <a:latin typeface="Minya Nouvelle" pitchFamily="2" charset="0"/>
+              </a:rPr>
+              <a:t>Strukturelement</a:t>
+            </a:r>
+            <a:endParaRPr lang="en-US" dirty="0" smtClean="0">
+              <a:latin typeface="Minya Nouvelle" pitchFamily="2" charset="0"/>
+            </a:endParaRPr>
+          </a:p>
+          <a:p>
+            <a:r>
+              <a:rPr lang="en-US" b="1" dirty="0" smtClean="0">
+                <a:latin typeface="Minya Nouvelle" pitchFamily="2" charset="0"/>
+              </a:rPr>
+              <a:t>&lt;!-- </a:t>
+            </a:r>
+            <a:r>
+              <a:rPr lang="en-US" b="1" dirty="0" smtClean="0">
+                <a:latin typeface="Minya Nouvelle" pitchFamily="2" charset="0"/>
+                <a:sym typeface="Wingdings"/>
+              </a:rPr>
+              <a:t>--&gt;		</a:t>
+            </a:r>
+            <a:r>
+              <a:rPr lang="en-US" dirty="0" err="1" smtClean="0">
+                <a:latin typeface="Minya Nouvelle" pitchFamily="2" charset="0"/>
+                <a:sym typeface="Wingdings"/>
+              </a:rPr>
+              <a:t>Kommentarer</a:t>
+            </a:r>
+            <a:endParaRPr lang="en-US" dirty="0" smtClean="0">
+              <a:latin typeface="Minya Nouvelle" pitchFamily="2" charset="0"/>
+              <a:sym typeface="Wingdings"/>
+            </a:endParaRPr>
+          </a:p>
+          <a:p>
+            <a:r>
+              <a:rPr lang="en-US" b="1" dirty="0" err="1" smtClean="0">
+                <a:latin typeface="Minya Nouvelle" pitchFamily="2" charset="0"/>
+                <a:sym typeface="Wingdings"/>
+              </a:rPr>
+              <a:t>img</a:t>
+            </a:r>
+            <a:r>
+              <a:rPr lang="en-US" b="1" dirty="0" smtClean="0">
+                <a:latin typeface="Minya Nouvelle" pitchFamily="2" charset="0"/>
+                <a:sym typeface="Wingdings"/>
+              </a:rPr>
+              <a:t>		</a:t>
+            </a:r>
+            <a:r>
+              <a:rPr lang="en-US" dirty="0" err="1" smtClean="0">
+                <a:latin typeface="Minya Nouvelle" pitchFamily="2" charset="0"/>
+                <a:sym typeface="Wingdings"/>
+              </a:rPr>
+              <a:t>Bilder</a:t>
+            </a:r>
+            <a:endParaRPr lang="en-US" dirty="0" smtClean="0">
+              <a:latin typeface="Minya Nouvelle" pitchFamily="2" charset="0"/>
+              <a:sym typeface="Wingdings"/>
+            </a:endParaRPr>
+          </a:p>
+          <a:p>
+            <a:r>
+              <a:rPr lang="en-US" b="1" dirty="0" smtClean="0">
+                <a:latin typeface="Minya Nouvelle" pitchFamily="2" charset="0"/>
+                <a:sym typeface="Wingdings"/>
+              </a:rPr>
+              <a:t>audio, video	</a:t>
+            </a:r>
+            <a:r>
+              <a:rPr lang="en-US" dirty="0" smtClean="0">
+                <a:latin typeface="Minya Nouvelle" pitchFamily="2" charset="0"/>
+                <a:sym typeface="Wingdings"/>
+              </a:rPr>
+              <a:t>Video </a:t>
+            </a:r>
+            <a:r>
+              <a:rPr lang="en-US" dirty="0" err="1" smtClean="0">
+                <a:latin typeface="Minya Nouvelle" pitchFamily="2" charset="0"/>
+                <a:sym typeface="Wingdings"/>
+              </a:rPr>
+              <a:t>och</a:t>
+            </a:r>
+            <a:r>
+              <a:rPr lang="en-US" dirty="0" smtClean="0">
+                <a:latin typeface="Minya Nouvelle" pitchFamily="2" charset="0"/>
+                <a:sym typeface="Wingdings"/>
+              </a:rPr>
+              <a:t> </a:t>
+            </a:r>
+            <a:r>
+              <a:rPr lang="en-US" dirty="0" err="1" smtClean="0">
+                <a:latin typeface="Minya Nouvelle" pitchFamily="2" charset="0"/>
+                <a:sym typeface="Wingdings"/>
+              </a:rPr>
+              <a:t>ljud</a:t>
+            </a:r>
+            <a:endParaRPr lang="en-US" dirty="0" smtClean="0">
+              <a:latin typeface="Minya Nouvelle" pitchFamily="2" charset="0"/>
+              <a:sym typeface="Wingdings"/>
+            </a:endParaRPr>
+          </a:p>
+          <a:p>
+            <a:r>
+              <a:rPr lang="en-US" b="1" dirty="0" smtClean="0">
+                <a:latin typeface="Minya Nouvelle" pitchFamily="2" charset="0"/>
+                <a:sym typeface="Wingdings"/>
+              </a:rPr>
+              <a:t>a		</a:t>
+            </a:r>
+            <a:r>
+              <a:rPr lang="en-US" dirty="0" err="1" smtClean="0">
+                <a:latin typeface="Minya Nouvelle" pitchFamily="2" charset="0"/>
+                <a:sym typeface="Wingdings"/>
+              </a:rPr>
+              <a:t>länkar</a:t>
+            </a:r>
+            <a:endParaRPr lang="en-US" dirty="0" smtClean="0">
+              <a:latin typeface="Minya Nouvelle" pitchFamily="2" charset="0"/>
+              <a:sym typeface="Wingdings"/>
+            </a:endParaRPr>
+          </a:p>
+          <a:p>
+            <a:r>
+              <a:rPr lang="en-US" b="1" dirty="0" smtClean="0">
+                <a:latin typeface="Minya Nouvelle" pitchFamily="2" charset="0"/>
+                <a:sym typeface="Wingdings"/>
+              </a:rPr>
+              <a:t>table</a:t>
+            </a:r>
+            <a:r>
+              <a:rPr lang="en-US" dirty="0" smtClean="0">
+                <a:latin typeface="Minya Nouvelle" pitchFamily="2" charset="0"/>
+                <a:sym typeface="Wingdings"/>
+              </a:rPr>
+              <a:t>		</a:t>
+            </a:r>
+            <a:r>
+              <a:rPr lang="en-US" dirty="0" err="1" smtClean="0">
+                <a:latin typeface="Minya Nouvelle" pitchFamily="2" charset="0"/>
+                <a:sym typeface="Wingdings"/>
+              </a:rPr>
+              <a:t>tabeller</a:t>
+            </a:r>
+            <a:endParaRPr lang="en-US" dirty="0" smtClean="0">
+              <a:latin typeface="Minya Nouvelle" pitchFamily="2" charset="0"/>
+              <a:sym typeface="Wingdings"/>
+            </a:endParaRPr>
+          </a:p>
+          <a:p>
+            <a:r>
+              <a:rPr lang="en-US" b="1" dirty="0" smtClean="0">
+                <a:latin typeface="Minya Nouvelle" pitchFamily="2" charset="0"/>
+                <a:sym typeface="Wingdings"/>
+              </a:rPr>
+              <a:t>form</a:t>
+            </a:r>
+            <a:r>
+              <a:rPr lang="en-US" dirty="0" smtClean="0">
+                <a:latin typeface="Minya Nouvelle" pitchFamily="2" charset="0"/>
+                <a:sym typeface="Wingdings"/>
+              </a:rPr>
+              <a:t>		</a:t>
+            </a:r>
+            <a:r>
+              <a:rPr lang="en-US" dirty="0" err="1" smtClean="0">
+                <a:latin typeface="Minya Nouvelle" pitchFamily="2" charset="0"/>
+                <a:sym typeface="Wingdings"/>
+              </a:rPr>
+              <a:t>formulär</a:t>
+            </a:r>
+            <a:endParaRPr lang="en-US" dirty="0" smtClean="0">
+              <a:latin typeface="Minya Nouvelle" pitchFamily="2" charset="0"/>
+              <a:sym typeface="Wingdings"/>
+            </a:endParaRPr>
+          </a:p>
+          <a:p>
+            <a:r>
+              <a:rPr lang="en-US" b="1" dirty="0" smtClean="0">
+                <a:latin typeface="Minya Nouvelle" pitchFamily="2" charset="0"/>
+              </a:rPr>
+              <a:t>header, article…	</a:t>
+            </a:r>
+            <a:r>
+              <a:rPr lang="en-US" dirty="0" err="1" smtClean="0">
+                <a:latin typeface="Minya Nouvelle" pitchFamily="2" charset="0"/>
+              </a:rPr>
+              <a:t>Strukturtaggar</a:t>
+            </a:r>
+            <a:r>
+              <a:rPr lang="en-US" dirty="0" smtClean="0">
+                <a:latin typeface="Minya Nouvelle" pitchFamily="2" charset="0"/>
+              </a:rPr>
+              <a:t> HTML5</a:t>
+            </a:r>
+          </a:p>
+          <a:p>
+            <a:r>
+              <a:rPr lang="en-US" b="1" dirty="0" smtClean="0">
+                <a:latin typeface="Minya Nouvelle" pitchFamily="2" charset="0"/>
+              </a:rPr>
+              <a:t>…	</a:t>
+            </a:r>
+          </a:p>
+          <a:p>
+            <a:r>
+              <a:rPr lang="en-US" dirty="0" smtClean="0">
+                <a:latin typeface="Minya Nouvelle" pitchFamily="2" charset="0"/>
+              </a:rPr>
+              <a:t>			</a:t>
+            </a:r>
+            <a:endParaRPr lang="en-US" dirty="0" smtClean="0">
+              <a:latin typeface="Minya Nouvelle" pitchFamily="2" charset="0"/>
+            </a:endParaRPr>
           </a:p>
         </p:txBody>
       </p:sp>
+      <p:grpSp>
+        <p:nvGrpSpPr>
+          <p:cNvPr id="5" name="Group 4"/>
+          <p:cNvGrpSpPr/>
+          <p:nvPr/>
+        </p:nvGrpSpPr>
+        <p:grpSpPr>
+          <a:xfrm>
+            <a:off x="7524328" y="5017740"/>
+            <a:ext cx="1368152" cy="504056"/>
+            <a:chOff x="7452320" y="4801716"/>
+            <a:chExt cx="1368152" cy="504056"/>
+          </a:xfrm>
+        </p:grpSpPr>
+        <p:pic>
+          <p:nvPicPr>
+            <p:cNvPr id="6" name="Picture 10" descr="S:\dfm\info\icons\v-collections\v_collections_png\software_graphics_media\64x64\shadow\film.png"/>
+            <p:cNvPicPr>
+              <a:picLocks noChangeAspect="1" noChangeArrowheads="1"/>
+            </p:cNvPicPr>
+            <p:nvPr/>
+          </p:nvPicPr>
+          <p:blipFill>
+            <a:blip r:embed="rId2">
+              <a:extLst>
+                <a:ext uri="{28A0092B-C50C-407E-A947-70E740481C1C}">
+                  <a14:useLocalDpi xmlns:a14="http://schemas.microsoft.com/office/drawing/2010/main" val="0"/>
+                </a:ext>
+              </a:extLst>
+            </a:blip>
+            <a:srcRect/>
+            <a:stretch>
+              <a:fillRect/>
+            </a:stretch>
+          </p:blipFill>
+          <p:spPr bwMode="auto">
+            <a:xfrm>
+              <a:off x="7537287" y="4906855"/>
+              <a:ext cx="288032" cy="288032"/>
+            </a:xfrm>
+            <a:prstGeom prst="rect">
+              <a:avLst/>
+            </a:prstGeom>
+            <a:noFill/>
+            <a:extLst>
+              <a:ext uri="{909E8E84-426E-40dd-AFC4-6F175D3DCCD1}">
+                <a14:hiddenFill xmlns:a14="http://schemas.microsoft.com/office/drawing/2010/main">
+                  <a:solidFill>
+                    <a:srgbClr val="FFFFFF"/>
+                  </a:solidFill>
+                </a14:hiddenFill>
+              </a:ext>
+            </a:extLst>
+          </p:spPr>
+        </p:pic>
+        <p:sp>
+          <p:nvSpPr>
+            <p:cNvPr id="7" name="TextBox 6"/>
+            <p:cNvSpPr txBox="1"/>
+            <p:nvPr/>
+          </p:nvSpPr>
+          <p:spPr>
+            <a:xfrm>
+              <a:off x="7740352" y="4873724"/>
+              <a:ext cx="1080119" cy="338554"/>
+            </a:xfrm>
+            <a:prstGeom prst="rect">
+              <a:avLst/>
+            </a:prstGeom>
+            <a:noFill/>
+          </p:spPr>
+          <p:txBody>
+            <a:bodyPr wrap="square" rtlCol="0">
+              <a:spAutoFit/>
+            </a:bodyPr>
+            <a:lstStyle/>
+            <a:p>
+              <a:pPr algn="ctr"/>
+              <a:r>
+                <a:rPr lang="sv-SE" sz="1600" dirty="0" smtClean="0">
+                  <a:latin typeface="Minya Nouvelle" pitchFamily="2" charset="0"/>
+                </a:rPr>
+                <a:t>Se demo </a:t>
+              </a:r>
+            </a:p>
+          </p:txBody>
+        </p:sp>
+        <p:sp>
+          <p:nvSpPr>
+            <p:cNvPr id="8" name="Rounded Rectangle 7"/>
+            <p:cNvSpPr/>
+            <p:nvPr/>
+          </p:nvSpPr>
+          <p:spPr>
+            <a:xfrm>
+              <a:off x="7452320" y="4801716"/>
+              <a:ext cx="1368152" cy="504056"/>
+            </a:xfrm>
+            <a:prstGeom prst="roundRect">
+              <a:avLst/>
+            </a:prstGeom>
+            <a:noFill/>
+            <a:ln>
+              <a:tailEnd type="arrow"/>
+            </a:ln>
+          </p:spPr>
+          <p:style>
+            <a:lnRef idx="2">
+              <a:schemeClr val="accent6"/>
+            </a:lnRef>
+            <a:fillRef idx="1">
+              <a:schemeClr val="lt1"/>
+            </a:fillRef>
+            <a:effectRef idx="0">
+              <a:schemeClr val="accent6"/>
+            </a:effectRef>
+            <a:fontRef idx="minor">
+              <a:schemeClr val="dk1"/>
+            </a:fontRef>
+          </p:style>
+          <p:txBody>
+            <a:bodyPr rtlCol="0" anchor="ctr"/>
+            <a:lstStyle/>
+            <a:p>
+              <a:pPr algn="ctr"/>
+              <a:endParaRPr lang="sv-SE"/>
+            </a:p>
+          </p:txBody>
+        </p:sp>
+      </p:grpSp>
     </p:spTree>
     <p:extLst>
       <p:ext uri="{BB962C8B-B14F-4D97-AF65-F5344CB8AC3E}">
@@ -24211,6 +24825,13 @@
   <p:clrMapOvr>
     <a:masterClrMapping/>
   </p:clrMapOvr>
+  <p:timing>
+    <p:tnLst>
+      <p:par>
+        <p:cTn xmlns:p14="http://schemas.microsoft.com/office/powerpoint/2010/main" id="1" dur="indefinite" restart="never" nodeType="tmRoot"/>
+      </p:par>
+    </p:tnLst>
+  </p:timing>
 </p:sld>
 </file>
 
@@ -28018,16 +28639,16 @@
       </p:sp>
       <p:grpSp>
         <p:nvGrpSpPr>
-          <p:cNvPr id="8" name="Group 7"/>
+          <p:cNvPr id="3" name="Group 2"/>
           <p:cNvGrpSpPr/>
           <p:nvPr/>
         </p:nvGrpSpPr>
         <p:grpSpPr>
           <a:xfrm>
-            <a:off x="7164288" y="4657700"/>
-            <a:ext cx="1623377" cy="792088"/>
-            <a:chOff x="251520" y="4663307"/>
-            <a:chExt cx="1623377" cy="792088"/>
+            <a:off x="7452320" y="4801716"/>
+            <a:ext cx="1368152" cy="504056"/>
+            <a:chOff x="7452320" y="4801716"/>
+            <a:chExt cx="1368152" cy="504056"/>
           </a:xfrm>
         </p:grpSpPr>
         <p:pic>
@@ -28053,8 +28674,8 @@
           </p:blipFill>
           <p:spPr bwMode="auto">
             <a:xfrm>
-              <a:off x="323528" y="4760345"/>
-              <a:ext cx="609600" cy="609600"/>
+              <a:off x="7537287" y="4906855"/>
+              <a:ext cx="288032" cy="288032"/>
             </a:xfrm>
             <a:prstGeom prst="rect">
               <a:avLst/>
@@ -28079,8 +28700,8 @@
           </p:nvSpPr>
           <p:spPr>
             <a:xfrm>
-              <a:off x="794778" y="4772757"/>
-              <a:ext cx="1080119" cy="584775"/>
+              <a:off x="7740352" y="4873724"/>
+              <a:ext cx="1080119" cy="338554"/>
             </a:xfrm>
             <a:prstGeom prst="rect">
               <a:avLst/>
@@ -28100,17 +28721,6 @@
                 </a:rPr>
                 <a:t>Se demo </a:t>
               </a:r>
-              <a:br>
-                <a:rPr lang="sv-SE" sz="1600" dirty="0" smtClean="0">
-                  <a:latin typeface="Minya Nouvelle" pitchFamily="2" charset="0"/>
-                </a:rPr>
-              </a:br>
-              <a:r>
-                <a:rPr lang="sv-SE" sz="1600" dirty="0" smtClean="0">
-                  <a:latin typeface="Minya Nouvelle" pitchFamily="2" charset="0"/>
-                </a:rPr>
-                <a:t>#3</a:t>
-              </a:r>
             </a:p>
           </p:txBody>
         </p:sp>
@@ -28122,8 +28732,8 @@
           </p:nvSpPr>
           <p:spPr>
             <a:xfrm>
-              <a:off x="251520" y="4663307"/>
-              <a:ext cx="1584176" cy="792088"/>
+              <a:off x="7452320" y="4801716"/>
+              <a:ext cx="1368152" cy="504056"/>
             </a:xfrm>
             <a:prstGeom prst="roundRect">
               <a:avLst/>
@@ -28170,83 +28780,7 @@
   <p:timing>
     <p:tnLst>
       <p:par>
-        <p:cTn xmlns:p14="http://schemas.microsoft.com/office/powerpoint/2010/main" id="1" dur="indefinite" restart="never" nodeType="tmRoot">
-          <p:childTnLst>
-            <p:seq concurrent="1" nextAc="seek">
-              <p:cTn id="2" dur="indefinite" nodeType="mainSeq">
-                <p:childTnLst>
-                  <p:par>
-                    <p:cTn id="3" fill="hold">
-                      <p:stCondLst>
-                        <p:cond delay="indefinite"/>
-                      </p:stCondLst>
-                      <p:childTnLst>
-                        <p:par>
-                          <p:cTn id="4" fill="hold">
-                            <p:stCondLst>
-                              <p:cond delay="0"/>
-                            </p:stCondLst>
-                            <p:childTnLst>
-                              <p:par>
-                                <p:cTn id="5" presetID="10" presetClass="entr" presetSubtype="0" fill="hold" nodeType="clickEffect">
-                                  <p:stCondLst>
-                                    <p:cond delay="0"/>
-                                  </p:stCondLst>
-                                  <p:childTnLst>
-                                    <p:set>
-                                      <p:cBhvr>
-                                        <p:cTn id="6" dur="1" fill="hold">
-                                          <p:stCondLst>
-                                            <p:cond delay="0"/>
-                                          </p:stCondLst>
-                                        </p:cTn>
-                                        <p:tgtEl>
-                                          <p:spTgt spid="8"/>
-                                        </p:tgtEl>
-                                        <p:attrNameLst>
-                                          <p:attrName>style.visibility</p:attrName>
-                                        </p:attrNameLst>
-                                      </p:cBhvr>
-                                      <p:to>
-                                        <p:strVal val="visible"/>
-                                      </p:to>
-                                    </p:set>
-                                    <p:animEffect transition="in" filter="fade">
-                                      <p:cBhvr>
-                                        <p:cTn id="7" dur="500"/>
-                                        <p:tgtEl>
-                                          <p:spTgt spid="8"/>
-                                        </p:tgtEl>
-                                      </p:cBhvr>
-                                    </p:animEffect>
-                                  </p:childTnLst>
-                                </p:cTn>
-                              </p:par>
-                            </p:childTnLst>
-                          </p:cTn>
-                        </p:par>
-                      </p:childTnLst>
-                    </p:cTn>
-                  </p:par>
-                </p:childTnLst>
-              </p:cTn>
-              <p:prevCondLst>
-                <p:cond evt="onPrev" delay="0">
-                  <p:tgtEl>
-                    <p:sldTgt/>
-                  </p:tgtEl>
-                </p:cond>
-              </p:prevCondLst>
-              <p:nextCondLst>
-                <p:cond evt="onNext" delay="0">
-                  <p:tgtEl>
-                    <p:sldTgt/>
-                  </p:tgtEl>
-                </p:cond>
-              </p:nextCondLst>
-            </p:seq>
-          </p:childTnLst>
-        </p:cTn>
+        <p:cTn xmlns:p14="http://schemas.microsoft.com/office/powerpoint/2010/main" id="1" dur="indefinite" restart="never" nodeType="tmRoot"/>
       </p:par>
     </p:tnLst>
   </p:timing>

--- a/Föreläsningar/F02 - HTML.pptx
+++ b/Föreläsningar/F02 - HTML.pptx
@@ -38,9 +38,9 @@
     <p:sldId id="691" r:id="rId26"/>
     <p:sldId id="692" r:id="rId27"/>
     <p:sldId id="693" r:id="rId28"/>
-    <p:sldId id="329" r:id="rId29"/>
-    <p:sldId id="322" r:id="rId30"/>
-    <p:sldId id="688" r:id="rId31"/>
+    <p:sldId id="322" r:id="rId29"/>
+    <p:sldId id="688" r:id="rId30"/>
+    <p:sldId id="329" r:id="rId31"/>
   </p:sldIdLst>
   <p:sldSz cx="9144000" cy="5715000" type="screen16x10"/>
   <p:notesSz cx="7099300" cy="10234613"/>
@@ -225,7 +225,7 @@
             <a:fld id="{D591C14E-198E-48A7-ABEC-7FB80E868E55}" type="datetimeFigureOut">
               <a:rPr lang="sv-SE" smtClean="0"/>
               <a:pPr/>
-              <a:t>2013-09-05</a:t>
+              <a:t>2013-09-08</a:t>
             </a:fld>
             <a:endParaRPr lang="sv-SE"/>
           </a:p>
@@ -392,7 +392,7 @@
             <a:fld id="{188BB863-C913-48B5-BD1A-638D82A0C76B}" type="datetimeFigureOut">
               <a:rPr lang="sv-SE" smtClean="0"/>
               <a:pPr/>
-              <a:t>2013-09-05</a:t>
+              <a:t>2013-09-08</a:t>
             </a:fld>
             <a:endParaRPr lang="sv-SE"/>
           </a:p>
@@ -823,7 +823,7 @@
             <a:fld id="{87A2DC32-3504-46EA-A4CB-95ED6A325EDF}" type="slidenum">
               <a:rPr lang="sv-SE" smtClean="0"/>
               <a:pPr/>
-              <a:t>28</a:t>
+              <a:t>30</a:t>
             </a:fld>
             <a:endParaRPr lang="sv-SE"/>
           </a:p>
@@ -7234,11 +7234,7 @@
           <a:p>
             <a:r>
               <a:rPr lang="sv-SE" b="1" dirty="0" smtClean="0"/>
-              <a:t>F02 – </a:t>
-            </a:r>
-            <a:r>
-              <a:rPr lang="sv-SE" b="1" dirty="0" smtClean="0"/>
-              <a:t>HTML</a:t>
+              <a:t>F02 – HTML</a:t>
             </a:r>
             <a:endParaRPr lang="sv-SE" b="1" dirty="0"/>
           </a:p>
@@ -7270,17 +7266,8 @@
               <a:rPr lang="sv-SE" sz="2800" b="1" dirty="0" smtClean="0">
                 <a:latin typeface="Minya Nouvelle" pitchFamily="2" charset="0"/>
               </a:rPr>
-              <a:t>Föreläsning 2, </a:t>
-            </a:r>
-            <a:r>
-              <a:rPr lang="sv-SE" sz="2800" b="1" dirty="0" smtClean="0">
-                <a:latin typeface="Minya Nouvelle" pitchFamily="2" charset="0"/>
-              </a:rPr>
-              <a:t>HT2013</a:t>
-            </a:r>
-            <a:endParaRPr lang="sv-SE" sz="2800" b="1" dirty="0" smtClean="0">
-              <a:latin typeface="Minya Nouvelle" pitchFamily="2" charset="0"/>
-            </a:endParaRPr>
+              <a:t>Föreläsning 2, HT2013</a:t>
+            </a:r>
           </a:p>
           <a:p>
             <a:r>
@@ -7289,9 +7276,6 @@
               </a:rPr>
               <a:t>HTML</a:t>
             </a:r>
-            <a:endParaRPr lang="sv-SE" sz="2800" dirty="0" smtClean="0">
-              <a:latin typeface="Minya Nouvelle" pitchFamily="2" charset="0"/>
-            </a:endParaRPr>
           </a:p>
         </p:txBody>
       </p:sp>
@@ -7535,7 +7519,6 @@
               <a:rPr lang="sv-SE" sz="2000" dirty="0" smtClean="0"/>
               <a:t> är din adress:</a:t>
             </a:r>
-            <a:endParaRPr lang="sv-SE" sz="2000" dirty="0" smtClean="0"/>
           </a:p>
         </p:txBody>
       </p:sp>
@@ -7633,13 +7616,6 @@
               </a:rPr>
               <a:t>sökväg</a:t>
             </a:r>
-            <a:endParaRPr lang="sv-SE" sz="2000" b="1" dirty="0" smtClean="0">
-              <a:solidFill>
-                <a:srgbClr val="FF0000"/>
-              </a:solidFill>
-              <a:latin typeface="Courier New" pitchFamily="49" charset="0"/>
-              <a:cs typeface="Courier New" pitchFamily="49" charset="0"/>
-            </a:endParaRPr>
           </a:p>
         </p:txBody>
       </p:sp>
@@ -7820,7 +7796,6 @@
               <a:rPr lang="sv-SE" sz="2000" dirty="0" smtClean="0"/>
               <a:t>Exempelvis givet:</a:t>
             </a:r>
-            <a:endParaRPr lang="sv-SE" sz="2000" dirty="0" smtClean="0"/>
           </a:p>
         </p:txBody>
       </p:sp>
@@ -15258,11 +15233,7 @@
           <a:p>
             <a:r>
               <a:rPr lang="sv-SE" b="1" dirty="0" smtClean="0"/>
-              <a:t>F02 – </a:t>
-            </a:r>
-            <a:r>
-              <a:rPr lang="sv-SE" b="1" dirty="0" smtClean="0"/>
-              <a:t>HTML</a:t>
+              <a:t>F02 – HTML</a:t>
             </a:r>
             <a:endParaRPr lang="sv-SE" b="1" dirty="0"/>
           </a:p>
@@ -15277,7 +15248,7 @@
         <p:spPr>
           <a:xfrm>
             <a:off x="1403648" y="1378601"/>
-            <a:ext cx="3894015" cy="5940088"/>
+            <a:ext cx="3724096" cy="6494087"/>
           </a:xfrm>
           <a:prstGeom prst="rect">
             <a:avLst/>
@@ -15439,6 +15410,33 @@
               </a:rPr>
               <a:t>Struktur</a:t>
             </a:r>
+          </a:p>
+          <a:p>
+            <a:pPr marL="285750" indent="-285750">
+              <a:buFont typeface="Arial" charset="0"/>
+              <a:buChar char="•"/>
+            </a:pPr>
+            <a:r>
+              <a:rPr lang="sv-SE" dirty="0" smtClean="0">
+                <a:latin typeface="Minya Nouvelle" pitchFamily="2" charset="0"/>
+              </a:rPr>
+              <a:t>Grafisk/Logisk formatering</a:t>
+            </a:r>
+          </a:p>
+          <a:p>
+            <a:pPr marL="285750" indent="-285750">
+              <a:buFont typeface="Arial" charset="0"/>
+              <a:buChar char="•"/>
+            </a:pPr>
+            <a:r>
+              <a:rPr lang="sv-SE" dirty="0" smtClean="0">
+                <a:latin typeface="Minya Nouvelle" pitchFamily="2" charset="0"/>
+              </a:rPr>
+              <a:t>Taggar</a:t>
+            </a:r>
+            <a:endParaRPr lang="sv-SE" dirty="0" smtClean="0">
+              <a:latin typeface="Minya Nouvelle" pitchFamily="2" charset="0"/>
+            </a:endParaRPr>
           </a:p>
           <a:p>
             <a:pPr marL="285750" indent="-285750">
@@ -23387,6 +23385,804 @@
           <a:p>
             <a:r>
               <a:rPr lang="sv-SE" dirty="0" smtClean="0"/>
+              <a:t>Taggar</a:t>
+            </a:r>
+            <a:endParaRPr lang="sv-SE" dirty="0"/>
+          </a:p>
+        </p:txBody>
+      </p:sp>
+      <p:sp>
+        <p:nvSpPr>
+          <p:cNvPr id="7" name="Text Box 16"/>
+          <p:cNvSpPr txBox="1">
+            <a:spLocks noChangeArrowheads="1"/>
+          </p:cNvSpPr>
+          <p:nvPr/>
+        </p:nvSpPr>
+        <p:spPr bwMode="auto">
+          <a:xfrm>
+            <a:off x="611560" y="2281436"/>
+            <a:ext cx="7950579" cy="1569660"/>
+          </a:xfrm>
+          <a:prstGeom prst="rect">
+            <a:avLst/>
+          </a:prstGeom>
+          <a:ln>
+            <a:headEnd/>
+            <a:tailEnd/>
+          </a:ln>
+        </p:spPr>
+        <p:style>
+          <a:lnRef idx="1">
+            <a:schemeClr val="accent6"/>
+          </a:lnRef>
+          <a:fillRef idx="2">
+            <a:schemeClr val="accent6"/>
+          </a:fillRef>
+          <a:effectRef idx="1">
+            <a:schemeClr val="accent6"/>
+          </a:effectRef>
+          <a:fontRef idx="minor">
+            <a:schemeClr val="dk1"/>
+          </a:fontRef>
+        </p:style>
+        <p:txBody>
+          <a:bodyPr wrap="square">
+            <a:spAutoFit/>
+          </a:bodyPr>
+          <a:lstStyle/>
+          <a:p>
+            <a:pPr algn="ctr"/>
+            <a:r>
+              <a:rPr lang="sv-SE" sz="3200" b="1" dirty="0" smtClean="0">
+                <a:latin typeface="Courier New" pitchFamily="49" charset="0"/>
+              </a:rPr>
+              <a:t/>
+            </a:r>
+            <a:br>
+              <a:rPr lang="sv-SE" sz="3200" b="1" dirty="0" smtClean="0">
+                <a:latin typeface="Courier New" pitchFamily="49" charset="0"/>
+              </a:rPr>
+            </a:br>
+            <a:r>
+              <a:rPr lang="sv-SE" sz="3200" b="1" dirty="0" smtClean="0">
+                <a:solidFill>
+                  <a:srgbClr val="0070C0"/>
+                </a:solidFill>
+                <a:latin typeface="Courier New" pitchFamily="49" charset="0"/>
+              </a:rPr>
+              <a:t>&lt;div </a:t>
+            </a:r>
+            <a:r>
+              <a:rPr lang="sv-SE" sz="3200" b="1" dirty="0" smtClean="0">
+                <a:solidFill>
+                  <a:srgbClr val="FF0000"/>
+                </a:solidFill>
+                <a:latin typeface="Courier New" pitchFamily="49" charset="0"/>
+              </a:rPr>
+              <a:t>id</a:t>
+            </a:r>
+            <a:r>
+              <a:rPr lang="sv-SE" sz="3200" b="1" dirty="0" smtClean="0">
+                <a:solidFill>
+                  <a:srgbClr val="0070C0"/>
+                </a:solidFill>
+                <a:latin typeface="Courier New" pitchFamily="49" charset="0"/>
+              </a:rPr>
+              <a:t>=</a:t>
+            </a:r>
+            <a:r>
+              <a:rPr lang="sv-SE" sz="3200" b="1" dirty="0" smtClean="0">
+                <a:solidFill>
+                  <a:srgbClr val="7030A0"/>
+                </a:solidFill>
+                <a:latin typeface="Courier New" pitchFamily="49" charset="0"/>
+              </a:rPr>
+              <a:t>”container”</a:t>
+            </a:r>
+            <a:r>
+              <a:rPr lang="sv-SE" sz="3200" b="1" dirty="0" smtClean="0">
+                <a:solidFill>
+                  <a:srgbClr val="0070C0"/>
+                </a:solidFill>
+                <a:latin typeface="Courier New" pitchFamily="49" charset="0"/>
+              </a:rPr>
+              <a:t>&gt;</a:t>
+            </a:r>
+            <a:r>
+              <a:rPr lang="sv-SE" sz="3200" b="1" dirty="0" smtClean="0">
+                <a:latin typeface="Courier New" pitchFamily="49" charset="0"/>
+              </a:rPr>
+              <a:t>Text</a:t>
+            </a:r>
+            <a:r>
+              <a:rPr lang="sv-SE" sz="3200" b="1" dirty="0" smtClean="0">
+                <a:solidFill>
+                  <a:srgbClr val="0070C0"/>
+                </a:solidFill>
+                <a:latin typeface="Courier New" pitchFamily="49" charset="0"/>
+              </a:rPr>
+              <a:t>&lt;/div&gt;</a:t>
+            </a:r>
+          </a:p>
+          <a:p>
+            <a:endParaRPr lang="sv-SE" sz="3200" b="1" dirty="0">
+              <a:latin typeface="Courier New" pitchFamily="49" charset="0"/>
+            </a:endParaRPr>
+          </a:p>
+        </p:txBody>
+      </p:sp>
+    </p:spTree>
+    <p:extLst>
+      <p:ext uri="{BB962C8B-B14F-4D97-AF65-F5344CB8AC3E}">
+        <p14:creationId xmlns:p14="http://schemas.microsoft.com/office/powerpoint/2010/main" val="2787809045"/>
+      </p:ext>
+    </p:extLst>
+  </p:cSld>
+  <p:clrMapOvr>
+    <a:masterClrMapping/>
+  </p:clrMapOvr>
+  <p:timing>
+    <p:tnLst>
+      <p:par>
+        <p:cTn xmlns:p14="http://schemas.microsoft.com/office/powerpoint/2010/main" id="1" dur="indefinite" restart="never" nodeType="tmRoot"/>
+      </p:par>
+    </p:tnLst>
+  </p:timing>
+</p:sld>
+</file>
+
+<file path=ppt/slides/slide29.xml><?xml version="1.0" encoding="utf-8"?>
+<p:sld xmlns:a="http://schemas.openxmlformats.org/drawingml/2006/main" xmlns:r="http://schemas.openxmlformats.org/officeDocument/2006/relationships" xmlns:p="http://schemas.openxmlformats.org/presentationml/2006/main">
+  <p:cSld>
+    <p:spTree>
+      <p:nvGrpSpPr>
+        <p:cNvPr id="1" name=""/>
+        <p:cNvGrpSpPr/>
+        <p:nvPr/>
+      </p:nvGrpSpPr>
+      <p:grpSpPr>
+        <a:xfrm>
+          <a:off x="0" y="0"/>
+          <a:ext cx="0" cy="0"/>
+          <a:chOff x="0" y="0"/>
+          <a:chExt cx="0" cy="0"/>
+        </a:xfrm>
+      </p:grpSpPr>
+      <p:sp>
+        <p:nvSpPr>
+          <p:cNvPr id="2" name="Title 1"/>
+          <p:cNvSpPr>
+            <a:spLocks noGrp="1"/>
+          </p:cNvSpPr>
+          <p:nvPr>
+            <p:ph type="ctrTitle"/>
+          </p:nvPr>
+        </p:nvSpPr>
+        <p:spPr/>
+        <p:txBody>
+          <a:bodyPr/>
+          <a:lstStyle/>
+          <a:p>
+            <a:r>
+              <a:rPr lang="en-US" dirty="0" err="1" smtClean="0"/>
+              <a:t>Taggar</a:t>
+            </a:r>
+            <a:r>
+              <a:rPr lang="en-US" dirty="0" smtClean="0"/>
+              <a:t>….</a:t>
+            </a:r>
+            <a:endParaRPr lang="en-US" dirty="0"/>
+          </a:p>
+        </p:txBody>
+      </p:sp>
+      <p:sp>
+        <p:nvSpPr>
+          <p:cNvPr id="4" name="TextBox 3"/>
+          <p:cNvSpPr txBox="1"/>
+          <p:nvPr/>
+        </p:nvSpPr>
+        <p:spPr>
+          <a:xfrm>
+            <a:off x="2267744" y="1489348"/>
+            <a:ext cx="4896544" cy="3693319"/>
+          </a:xfrm>
+          <a:prstGeom prst="rect">
+            <a:avLst/>
+          </a:prstGeom>
+          <a:noFill/>
+        </p:spPr>
+        <p:txBody>
+          <a:bodyPr wrap="square" rtlCol="0">
+            <a:spAutoFit/>
+          </a:bodyPr>
+          <a:lstStyle/>
+          <a:p>
+            <a:r>
+              <a:rPr lang="en-US" b="1" dirty="0">
+                <a:latin typeface="Minya Nouvelle" pitchFamily="2" charset="0"/>
+              </a:rPr>
+              <a:t>h</a:t>
+            </a:r>
+            <a:r>
+              <a:rPr lang="en-US" b="1" dirty="0" smtClean="0">
+                <a:latin typeface="Minya Nouvelle" pitchFamily="2" charset="0"/>
+              </a:rPr>
+              <a:t>1-h6</a:t>
+            </a:r>
+            <a:r>
+              <a:rPr lang="en-US" dirty="0" smtClean="0">
+                <a:latin typeface="Minya Nouvelle" pitchFamily="2" charset="0"/>
+              </a:rPr>
+              <a:t>		</a:t>
+            </a:r>
+            <a:r>
+              <a:rPr lang="en-US" dirty="0" err="1" smtClean="0">
+                <a:latin typeface="Minya Nouvelle" pitchFamily="2" charset="0"/>
+              </a:rPr>
+              <a:t>Rubriknivåer</a:t>
+            </a:r>
+            <a:endParaRPr lang="en-US" dirty="0" smtClean="0">
+              <a:latin typeface="Minya Nouvelle" pitchFamily="2" charset="0"/>
+            </a:endParaRPr>
+          </a:p>
+          <a:p>
+            <a:r>
+              <a:rPr lang="en-US" b="1" dirty="0">
+                <a:latin typeface="Minya Nouvelle" pitchFamily="2" charset="0"/>
+              </a:rPr>
+              <a:t>p</a:t>
+            </a:r>
+            <a:r>
+              <a:rPr lang="en-US" dirty="0" smtClean="0">
+                <a:latin typeface="Minya Nouvelle" pitchFamily="2" charset="0"/>
+              </a:rPr>
+              <a:t>		</a:t>
+            </a:r>
+            <a:r>
+              <a:rPr lang="en-US" dirty="0" err="1" smtClean="0">
+                <a:latin typeface="Minya Nouvelle" pitchFamily="2" charset="0"/>
+              </a:rPr>
+              <a:t>Stycke</a:t>
+            </a:r>
+            <a:endParaRPr lang="en-US" dirty="0" smtClean="0">
+              <a:latin typeface="Minya Nouvelle" pitchFamily="2" charset="0"/>
+            </a:endParaRPr>
+          </a:p>
+          <a:p>
+            <a:r>
+              <a:rPr lang="en-US" b="1" dirty="0" err="1" smtClean="0">
+                <a:latin typeface="Minya Nouvelle" pitchFamily="2" charset="0"/>
+              </a:rPr>
+              <a:t>ul</a:t>
+            </a:r>
+            <a:r>
+              <a:rPr lang="en-US" b="1" dirty="0" smtClean="0">
+                <a:latin typeface="Minya Nouvelle" pitchFamily="2" charset="0"/>
+              </a:rPr>
+              <a:t>, </a:t>
+            </a:r>
+            <a:r>
+              <a:rPr lang="en-US" b="1" dirty="0" err="1" smtClean="0">
+                <a:latin typeface="Minya Nouvelle" pitchFamily="2" charset="0"/>
+              </a:rPr>
+              <a:t>ol</a:t>
+            </a:r>
+            <a:r>
+              <a:rPr lang="en-US" b="1" dirty="0" smtClean="0">
+                <a:latin typeface="Minya Nouvelle" pitchFamily="2" charset="0"/>
+              </a:rPr>
+              <a:t>, dl</a:t>
+            </a:r>
+            <a:r>
+              <a:rPr lang="en-US" dirty="0" smtClean="0">
+                <a:latin typeface="Minya Nouvelle" pitchFamily="2" charset="0"/>
+              </a:rPr>
+              <a:t>		</a:t>
+            </a:r>
+            <a:r>
+              <a:rPr lang="en-US" dirty="0" err="1" smtClean="0">
+                <a:latin typeface="Minya Nouvelle" pitchFamily="2" charset="0"/>
+              </a:rPr>
+              <a:t>Listor</a:t>
+            </a:r>
+            <a:endParaRPr lang="en-US" dirty="0" smtClean="0">
+              <a:latin typeface="Minya Nouvelle" pitchFamily="2" charset="0"/>
+            </a:endParaRPr>
+          </a:p>
+          <a:p>
+            <a:r>
+              <a:rPr lang="en-US" b="1" dirty="0" smtClean="0">
+                <a:latin typeface="Minya Nouvelle" pitchFamily="2" charset="0"/>
+              </a:rPr>
+              <a:t>div, span	</a:t>
+            </a:r>
+            <a:r>
+              <a:rPr lang="en-US" dirty="0" err="1" smtClean="0">
+                <a:latin typeface="Minya Nouvelle" pitchFamily="2" charset="0"/>
+              </a:rPr>
+              <a:t>Strukturelement</a:t>
+            </a:r>
+            <a:endParaRPr lang="en-US" dirty="0" smtClean="0">
+              <a:latin typeface="Minya Nouvelle" pitchFamily="2" charset="0"/>
+            </a:endParaRPr>
+          </a:p>
+          <a:p>
+            <a:r>
+              <a:rPr lang="en-US" b="1" dirty="0" smtClean="0">
+                <a:latin typeface="Minya Nouvelle" pitchFamily="2" charset="0"/>
+              </a:rPr>
+              <a:t>&lt;!-- </a:t>
+            </a:r>
+            <a:r>
+              <a:rPr lang="en-US" b="1" dirty="0" smtClean="0">
+                <a:latin typeface="Minya Nouvelle" pitchFamily="2" charset="0"/>
+                <a:sym typeface="Wingdings"/>
+              </a:rPr>
+              <a:t>--&gt;		</a:t>
+            </a:r>
+            <a:r>
+              <a:rPr lang="en-US" dirty="0" err="1" smtClean="0">
+                <a:latin typeface="Minya Nouvelle" pitchFamily="2" charset="0"/>
+                <a:sym typeface="Wingdings"/>
+              </a:rPr>
+              <a:t>Kommentarer</a:t>
+            </a:r>
+            <a:endParaRPr lang="en-US" dirty="0" smtClean="0">
+              <a:latin typeface="Minya Nouvelle" pitchFamily="2" charset="0"/>
+              <a:sym typeface="Wingdings"/>
+            </a:endParaRPr>
+          </a:p>
+          <a:p>
+            <a:r>
+              <a:rPr lang="en-US" b="1" dirty="0" err="1" smtClean="0">
+                <a:latin typeface="Minya Nouvelle" pitchFamily="2" charset="0"/>
+                <a:sym typeface="Wingdings"/>
+              </a:rPr>
+              <a:t>img</a:t>
+            </a:r>
+            <a:r>
+              <a:rPr lang="en-US" b="1" dirty="0" smtClean="0">
+                <a:latin typeface="Minya Nouvelle" pitchFamily="2" charset="0"/>
+                <a:sym typeface="Wingdings"/>
+              </a:rPr>
+              <a:t>		</a:t>
+            </a:r>
+            <a:r>
+              <a:rPr lang="en-US" dirty="0" err="1" smtClean="0">
+                <a:latin typeface="Minya Nouvelle" pitchFamily="2" charset="0"/>
+                <a:sym typeface="Wingdings"/>
+              </a:rPr>
+              <a:t>Bilder</a:t>
+            </a:r>
+            <a:endParaRPr lang="en-US" dirty="0" smtClean="0">
+              <a:latin typeface="Minya Nouvelle" pitchFamily="2" charset="0"/>
+              <a:sym typeface="Wingdings"/>
+            </a:endParaRPr>
+          </a:p>
+          <a:p>
+            <a:r>
+              <a:rPr lang="en-US" b="1" dirty="0" smtClean="0">
+                <a:latin typeface="Minya Nouvelle" pitchFamily="2" charset="0"/>
+                <a:sym typeface="Wingdings"/>
+              </a:rPr>
+              <a:t>audio, video	</a:t>
+            </a:r>
+            <a:r>
+              <a:rPr lang="en-US" dirty="0" smtClean="0">
+                <a:latin typeface="Minya Nouvelle" pitchFamily="2" charset="0"/>
+                <a:sym typeface="Wingdings"/>
+              </a:rPr>
+              <a:t>Video </a:t>
+            </a:r>
+            <a:r>
+              <a:rPr lang="en-US" dirty="0" err="1" smtClean="0">
+                <a:latin typeface="Minya Nouvelle" pitchFamily="2" charset="0"/>
+                <a:sym typeface="Wingdings"/>
+              </a:rPr>
+              <a:t>och</a:t>
+            </a:r>
+            <a:r>
+              <a:rPr lang="en-US" dirty="0" smtClean="0">
+                <a:latin typeface="Minya Nouvelle" pitchFamily="2" charset="0"/>
+                <a:sym typeface="Wingdings"/>
+              </a:rPr>
+              <a:t> </a:t>
+            </a:r>
+            <a:r>
+              <a:rPr lang="en-US" dirty="0" err="1" smtClean="0">
+                <a:latin typeface="Minya Nouvelle" pitchFamily="2" charset="0"/>
+                <a:sym typeface="Wingdings"/>
+              </a:rPr>
+              <a:t>ljud</a:t>
+            </a:r>
+            <a:endParaRPr lang="en-US" dirty="0" smtClean="0">
+              <a:latin typeface="Minya Nouvelle" pitchFamily="2" charset="0"/>
+              <a:sym typeface="Wingdings"/>
+            </a:endParaRPr>
+          </a:p>
+          <a:p>
+            <a:r>
+              <a:rPr lang="en-US" b="1" dirty="0" smtClean="0">
+                <a:latin typeface="Minya Nouvelle" pitchFamily="2" charset="0"/>
+                <a:sym typeface="Wingdings"/>
+              </a:rPr>
+              <a:t>a		</a:t>
+            </a:r>
+            <a:r>
+              <a:rPr lang="en-US" dirty="0" err="1" smtClean="0">
+                <a:latin typeface="Minya Nouvelle" pitchFamily="2" charset="0"/>
+                <a:sym typeface="Wingdings"/>
+              </a:rPr>
+              <a:t>länkar</a:t>
+            </a:r>
+            <a:endParaRPr lang="en-US" dirty="0" smtClean="0">
+              <a:latin typeface="Minya Nouvelle" pitchFamily="2" charset="0"/>
+              <a:sym typeface="Wingdings"/>
+            </a:endParaRPr>
+          </a:p>
+          <a:p>
+            <a:r>
+              <a:rPr lang="en-US" b="1" dirty="0" smtClean="0">
+                <a:latin typeface="Minya Nouvelle" pitchFamily="2" charset="0"/>
+                <a:sym typeface="Wingdings"/>
+              </a:rPr>
+              <a:t>table</a:t>
+            </a:r>
+            <a:r>
+              <a:rPr lang="en-US" dirty="0" smtClean="0">
+                <a:latin typeface="Minya Nouvelle" pitchFamily="2" charset="0"/>
+                <a:sym typeface="Wingdings"/>
+              </a:rPr>
+              <a:t>		</a:t>
+            </a:r>
+            <a:r>
+              <a:rPr lang="en-US" dirty="0" err="1" smtClean="0">
+                <a:latin typeface="Minya Nouvelle" pitchFamily="2" charset="0"/>
+                <a:sym typeface="Wingdings"/>
+              </a:rPr>
+              <a:t>tabeller</a:t>
+            </a:r>
+            <a:endParaRPr lang="en-US" dirty="0" smtClean="0">
+              <a:latin typeface="Minya Nouvelle" pitchFamily="2" charset="0"/>
+              <a:sym typeface="Wingdings"/>
+            </a:endParaRPr>
+          </a:p>
+          <a:p>
+            <a:r>
+              <a:rPr lang="en-US" b="1" dirty="0" smtClean="0">
+                <a:latin typeface="Minya Nouvelle" pitchFamily="2" charset="0"/>
+                <a:sym typeface="Wingdings"/>
+              </a:rPr>
+              <a:t>form</a:t>
+            </a:r>
+            <a:r>
+              <a:rPr lang="en-US" dirty="0" smtClean="0">
+                <a:latin typeface="Minya Nouvelle" pitchFamily="2" charset="0"/>
+                <a:sym typeface="Wingdings"/>
+              </a:rPr>
+              <a:t>		</a:t>
+            </a:r>
+            <a:r>
+              <a:rPr lang="en-US" dirty="0" err="1" smtClean="0">
+                <a:latin typeface="Minya Nouvelle" pitchFamily="2" charset="0"/>
+                <a:sym typeface="Wingdings"/>
+              </a:rPr>
+              <a:t>formulär</a:t>
+            </a:r>
+            <a:endParaRPr lang="en-US" dirty="0" smtClean="0">
+              <a:latin typeface="Minya Nouvelle" pitchFamily="2" charset="0"/>
+              <a:sym typeface="Wingdings"/>
+            </a:endParaRPr>
+          </a:p>
+          <a:p>
+            <a:r>
+              <a:rPr lang="en-US" b="1" dirty="0" smtClean="0">
+                <a:latin typeface="Minya Nouvelle" pitchFamily="2" charset="0"/>
+              </a:rPr>
+              <a:t>header, article…	</a:t>
+            </a:r>
+            <a:r>
+              <a:rPr lang="en-US" dirty="0" err="1" smtClean="0">
+                <a:latin typeface="Minya Nouvelle" pitchFamily="2" charset="0"/>
+              </a:rPr>
+              <a:t>Strukturtaggar</a:t>
+            </a:r>
+            <a:r>
+              <a:rPr lang="en-US" dirty="0" smtClean="0">
+                <a:latin typeface="Minya Nouvelle" pitchFamily="2" charset="0"/>
+              </a:rPr>
+              <a:t> HTML5</a:t>
+            </a:r>
+          </a:p>
+          <a:p>
+            <a:r>
+              <a:rPr lang="en-US" b="1" dirty="0" smtClean="0">
+                <a:latin typeface="Minya Nouvelle" pitchFamily="2" charset="0"/>
+              </a:rPr>
+              <a:t>…	</a:t>
+            </a:r>
+          </a:p>
+          <a:p>
+            <a:r>
+              <a:rPr lang="en-US" dirty="0" smtClean="0">
+                <a:latin typeface="Minya Nouvelle" pitchFamily="2" charset="0"/>
+              </a:rPr>
+              <a:t>			</a:t>
+            </a:r>
+          </a:p>
+        </p:txBody>
+      </p:sp>
+      <p:grpSp>
+        <p:nvGrpSpPr>
+          <p:cNvPr id="5" name="Group 4"/>
+          <p:cNvGrpSpPr/>
+          <p:nvPr/>
+        </p:nvGrpSpPr>
+        <p:grpSpPr>
+          <a:xfrm>
+            <a:off x="7524328" y="5017740"/>
+            <a:ext cx="1368152" cy="504056"/>
+            <a:chOff x="7452320" y="4801716"/>
+            <a:chExt cx="1368152" cy="504056"/>
+          </a:xfrm>
+        </p:grpSpPr>
+        <p:pic>
+          <p:nvPicPr>
+            <p:cNvPr id="6" name="Picture 10" descr="S:\dfm\info\icons\v-collections\v_collections_png\software_graphics_media\64x64\shadow\film.png"/>
+            <p:cNvPicPr>
+              <a:picLocks noChangeAspect="1" noChangeArrowheads="1"/>
+            </p:cNvPicPr>
+            <p:nvPr/>
+          </p:nvPicPr>
+          <p:blipFill>
+            <a:blip r:embed="rId2">
+              <a:extLst>
+                <a:ext uri="{28A0092B-C50C-407E-A947-70E740481C1C}">
+                  <a14:useLocalDpi xmlns:a14="http://schemas.microsoft.com/office/drawing/2010/main" val="0"/>
+                </a:ext>
+              </a:extLst>
+            </a:blip>
+            <a:srcRect/>
+            <a:stretch>
+              <a:fillRect/>
+            </a:stretch>
+          </p:blipFill>
+          <p:spPr bwMode="auto">
+            <a:xfrm>
+              <a:off x="7537287" y="4906855"/>
+              <a:ext cx="288032" cy="288032"/>
+            </a:xfrm>
+            <a:prstGeom prst="rect">
+              <a:avLst/>
+            </a:prstGeom>
+            <a:noFill/>
+            <a:extLst>
+              <a:ext uri="{909E8E84-426E-40dd-AFC4-6F175D3DCCD1}">
+                <a14:hiddenFill xmlns:a14="http://schemas.microsoft.com/office/drawing/2010/main">
+                  <a:solidFill>
+                    <a:srgbClr val="FFFFFF"/>
+                  </a:solidFill>
+                </a14:hiddenFill>
+              </a:ext>
+            </a:extLst>
+          </p:spPr>
+        </p:pic>
+        <p:sp>
+          <p:nvSpPr>
+            <p:cNvPr id="7" name="TextBox 6"/>
+            <p:cNvSpPr txBox="1"/>
+            <p:nvPr/>
+          </p:nvSpPr>
+          <p:spPr>
+            <a:xfrm>
+              <a:off x="7740352" y="4873724"/>
+              <a:ext cx="1080119" cy="338554"/>
+            </a:xfrm>
+            <a:prstGeom prst="rect">
+              <a:avLst/>
+            </a:prstGeom>
+            <a:noFill/>
+          </p:spPr>
+          <p:txBody>
+            <a:bodyPr wrap="square" rtlCol="0">
+              <a:spAutoFit/>
+            </a:bodyPr>
+            <a:lstStyle/>
+            <a:p>
+              <a:pPr algn="ctr"/>
+              <a:r>
+                <a:rPr lang="sv-SE" sz="1600" dirty="0" smtClean="0">
+                  <a:latin typeface="Minya Nouvelle" pitchFamily="2" charset="0"/>
+                </a:rPr>
+                <a:t>Se demo </a:t>
+              </a:r>
+            </a:p>
+          </p:txBody>
+        </p:sp>
+        <p:sp>
+          <p:nvSpPr>
+            <p:cNvPr id="8" name="Rounded Rectangle 7"/>
+            <p:cNvSpPr/>
+            <p:nvPr/>
+          </p:nvSpPr>
+          <p:spPr>
+            <a:xfrm>
+              <a:off x="7452320" y="4801716"/>
+              <a:ext cx="1368152" cy="504056"/>
+            </a:xfrm>
+            <a:prstGeom prst="roundRect">
+              <a:avLst/>
+            </a:prstGeom>
+            <a:noFill/>
+            <a:ln>
+              <a:tailEnd type="arrow"/>
+            </a:ln>
+          </p:spPr>
+          <p:style>
+            <a:lnRef idx="2">
+              <a:schemeClr val="accent6"/>
+            </a:lnRef>
+            <a:fillRef idx="1">
+              <a:schemeClr val="lt1"/>
+            </a:fillRef>
+            <a:effectRef idx="0">
+              <a:schemeClr val="accent6"/>
+            </a:effectRef>
+            <a:fontRef idx="minor">
+              <a:schemeClr val="dk1"/>
+            </a:fontRef>
+          </p:style>
+          <p:txBody>
+            <a:bodyPr rtlCol="0" anchor="ctr"/>
+            <a:lstStyle/>
+            <a:p>
+              <a:pPr algn="ctr"/>
+              <a:endParaRPr lang="sv-SE"/>
+            </a:p>
+          </p:txBody>
+        </p:sp>
+      </p:grpSp>
+    </p:spTree>
+    <p:extLst>
+      <p:ext uri="{BB962C8B-B14F-4D97-AF65-F5344CB8AC3E}">
+        <p14:creationId xmlns:p14="http://schemas.microsoft.com/office/powerpoint/2010/main" val="2041549583"/>
+      </p:ext>
+    </p:extLst>
+  </p:cSld>
+  <p:clrMapOvr>
+    <a:masterClrMapping/>
+  </p:clrMapOvr>
+  <p:timing>
+    <p:tnLst>
+      <p:par>
+        <p:cTn xmlns:p14="http://schemas.microsoft.com/office/powerpoint/2010/main" id="1" dur="indefinite" restart="never" nodeType="tmRoot"/>
+      </p:par>
+    </p:tnLst>
+  </p:timing>
+</p:sld>
+</file>
+
+<file path=ppt/slides/slide3.xml><?xml version="1.0" encoding="utf-8"?>
+<p:sld xmlns:a="http://schemas.openxmlformats.org/drawingml/2006/main" xmlns:r="http://schemas.openxmlformats.org/officeDocument/2006/relationships" xmlns:p="http://schemas.openxmlformats.org/presentationml/2006/main">
+  <p:cSld>
+    <p:spTree>
+      <p:nvGrpSpPr>
+        <p:cNvPr id="1" name=""/>
+        <p:cNvGrpSpPr/>
+        <p:nvPr/>
+      </p:nvGrpSpPr>
+      <p:grpSpPr>
+        <a:xfrm>
+          <a:off x="0" y="0"/>
+          <a:ext cx="0" cy="0"/>
+          <a:chOff x="0" y="0"/>
+          <a:chExt cx="0" cy="0"/>
+        </a:xfrm>
+      </p:grpSpPr>
+      <p:sp>
+        <p:nvSpPr>
+          <p:cNvPr id="2" name="Title 1"/>
+          <p:cNvSpPr>
+            <a:spLocks noGrp="1"/>
+          </p:cNvSpPr>
+          <p:nvPr>
+            <p:ph type="ctrTitle"/>
+          </p:nvPr>
+        </p:nvSpPr>
+        <p:spPr/>
+        <p:txBody>
+          <a:bodyPr/>
+          <a:lstStyle/>
+          <a:p>
+            <a:endParaRPr lang="en-US"/>
+          </a:p>
+        </p:txBody>
+      </p:sp>
+      <p:pic>
+        <p:nvPicPr>
+          <p:cNvPr id="5" name="Picture 4" descr="Skärmavbild 2013-09-05 kl. 09.16.57.png"/>
+          <p:cNvPicPr>
+            <a:picLocks noChangeAspect="1"/>
+          </p:cNvPicPr>
+          <p:nvPr/>
+        </p:nvPicPr>
+        <p:blipFill>
+          <a:blip r:embed="rId2">
+            <a:extLst>
+              <a:ext uri="{28A0092B-C50C-407E-A947-70E740481C1C}">
+                <a14:useLocalDpi xmlns:a14="http://schemas.microsoft.com/office/drawing/2010/main" val="0"/>
+              </a:ext>
+            </a:extLst>
+          </a:blip>
+          <a:stretch>
+            <a:fillRect/>
+          </a:stretch>
+        </p:blipFill>
+        <p:spPr>
+          <a:xfrm>
+            <a:off x="0" y="-19326"/>
+            <a:ext cx="9232920" cy="5901162"/>
+          </a:xfrm>
+          <a:prstGeom prst="rect">
+            <a:avLst/>
+          </a:prstGeom>
+        </p:spPr>
+      </p:pic>
+    </p:spTree>
+    <p:extLst>
+      <p:ext uri="{BB962C8B-B14F-4D97-AF65-F5344CB8AC3E}">
+        <p14:creationId xmlns:p14="http://schemas.microsoft.com/office/powerpoint/2010/main" val="4157232308"/>
+      </p:ext>
+    </p:extLst>
+  </p:cSld>
+  <p:clrMapOvr>
+    <a:masterClrMapping/>
+  </p:clrMapOvr>
+  <p:timing>
+    <p:tnLst>
+      <p:par>
+        <p:cTn xmlns:p14="http://schemas.microsoft.com/office/powerpoint/2010/main" id="1" dur="indefinite" restart="never" nodeType="tmRoot"/>
+      </p:par>
+    </p:tnLst>
+  </p:timing>
+</p:sld>
+</file>
+
+<file path=ppt/slides/slide30.xml><?xml version="1.0" encoding="utf-8"?>
+<p:sld xmlns:a="http://schemas.openxmlformats.org/drawingml/2006/main" xmlns:r="http://schemas.openxmlformats.org/officeDocument/2006/relationships" xmlns:p="http://schemas.openxmlformats.org/presentationml/2006/main">
+  <p:cSld>
+    <p:spTree>
+      <p:nvGrpSpPr>
+        <p:cNvPr id="1" name=""/>
+        <p:cNvGrpSpPr/>
+        <p:nvPr/>
+      </p:nvGrpSpPr>
+      <p:grpSpPr>
+        <a:xfrm>
+          <a:off x="0" y="0"/>
+          <a:ext cx="0" cy="0"/>
+          <a:chOff x="0" y="0"/>
+          <a:chExt cx="0" cy="0"/>
+        </a:xfrm>
+      </p:grpSpPr>
+      <p:sp>
+        <p:nvSpPr>
+          <p:cNvPr id="2" name="Title 1"/>
+          <p:cNvSpPr>
+            <a:spLocks noGrp="1"/>
+          </p:cNvSpPr>
+          <p:nvPr>
+            <p:ph type="ctrTitle"/>
+          </p:nvPr>
+        </p:nvSpPr>
+        <p:spPr/>
+        <p:txBody>
+          <a:bodyPr/>
+          <a:lstStyle/>
+          <a:p>
+            <a:r>
+              <a:rPr lang="sv-SE" dirty="0" smtClean="0"/>
               <a:t>Referenser</a:t>
             </a:r>
             <a:endParaRPr lang="sv-SE" dirty="0"/>
@@ -23532,18 +24328,45 @@
           <a:lstStyle/>
           <a:p>
             <a:r>
+              <a:rPr lang="sv-SE" b="1" dirty="0" err="1" smtClean="0">
+                <a:latin typeface="Minya Nouvelle" charset="0"/>
+              </a:rPr>
+              <a:t>docs.webplatform.org</a:t>
+            </a:r>
+            <a:r>
+              <a:rPr lang="sv-SE" b="1" dirty="0">
+                <a:latin typeface="Minya Nouvelle" charset="0"/>
+              </a:rPr>
+              <a:t>/</a:t>
+            </a:r>
+            <a:r>
+              <a:rPr lang="sv-SE" b="1" dirty="0" err="1">
+                <a:latin typeface="Minya Nouvelle" charset="0"/>
+              </a:rPr>
+              <a:t>wiki</a:t>
+            </a:r>
+            <a:r>
+              <a:rPr lang="sv-SE" b="1" dirty="0">
+                <a:latin typeface="Minya Nouvelle" charset="0"/>
+              </a:rPr>
+              <a:t>/</a:t>
+            </a:r>
+            <a:r>
               <a:rPr lang="sv-SE" b="1" dirty="0" smtClean="0">
                 <a:latin typeface="Minya Nouvelle" charset="0"/>
               </a:rPr>
-              <a:t>htmldog.com</a:t>
-            </a:r>
-          </a:p>
-          <a:p>
+              <a:t>html</a:t>
+            </a:r>
+            <a:br>
+              <a:rPr lang="sv-SE" b="1" dirty="0" smtClean="0">
+                <a:latin typeface="Minya Nouvelle" charset="0"/>
+              </a:rPr>
+            </a:br>
             <a:r>
               <a:rPr lang="sv-SE" dirty="0" smtClean="0">
                 <a:latin typeface="Minya Nouvelle" charset="0"/>
               </a:rPr>
-              <a:t>Utmärkt guide för den som vill lära sig grunderna i HTML/CSS</a:t>
+              <a:t>Community-drivet initiativ för att utbilda på webben som en plattform. </a:t>
             </a:r>
             <a:endParaRPr lang="sv-SE" dirty="0">
               <a:latin typeface="Minya Nouvelle" charset="0"/>
@@ -23697,7 +24520,7 @@
       </p:cxnSp>
       <p:pic>
         <p:nvPicPr>
-          <p:cNvPr id="5" name="Picture 4" descr="Skärmavbild 2013-09-06 kl. 10.47.26.png"/>
+          <p:cNvPr id="3" name="Picture 2" descr="Skärmavbild 2013-09-08 kl. 21.33.13.png"/>
           <p:cNvPicPr>
             <a:picLocks noChangeAspect="1"/>
           </p:cNvPicPr>
@@ -23718,7 +24541,7 @@
         <p:spPr>
           <a:xfrm>
             <a:off x="467544" y="2569468"/>
-            <a:ext cx="2016224" cy="1232220"/>
+            <a:ext cx="2016224" cy="1368152"/>
           </a:xfrm>
           <a:prstGeom prst="rect">
             <a:avLst/>
@@ -24021,816 +24844,6 @@
       <p:bldP spid="7" grpId="0"/>
       <p:bldP spid="9" grpId="0"/>
     </p:bldLst>
-  </p:timing>
-</p:sld>
-</file>
-
-<file path=ppt/slides/slide29.xml><?xml version="1.0" encoding="utf-8"?>
-<p:sld xmlns:a="http://schemas.openxmlformats.org/drawingml/2006/main" xmlns:r="http://schemas.openxmlformats.org/officeDocument/2006/relationships" xmlns:p="http://schemas.openxmlformats.org/presentationml/2006/main">
-  <p:cSld>
-    <p:spTree>
-      <p:nvGrpSpPr>
-        <p:cNvPr id="1" name=""/>
-        <p:cNvGrpSpPr/>
-        <p:nvPr/>
-      </p:nvGrpSpPr>
-      <p:grpSpPr>
-        <a:xfrm>
-          <a:off x="0" y="0"/>
-          <a:ext cx="0" cy="0"/>
-          <a:chOff x="0" y="0"/>
-          <a:chExt cx="0" cy="0"/>
-        </a:xfrm>
-      </p:grpSpPr>
-      <p:sp>
-        <p:nvSpPr>
-          <p:cNvPr id="2" name="Title 1"/>
-          <p:cNvSpPr>
-            <a:spLocks noGrp="1"/>
-          </p:cNvSpPr>
-          <p:nvPr>
-            <p:ph type="ctrTitle"/>
-          </p:nvPr>
-        </p:nvSpPr>
-        <p:spPr/>
-        <p:txBody>
-          <a:bodyPr/>
-          <a:lstStyle/>
-          <a:p>
-            <a:r>
-              <a:rPr lang="sv-SE" dirty="0" smtClean="0"/>
-              <a:t>Taggar</a:t>
-            </a:r>
-            <a:endParaRPr lang="sv-SE" dirty="0"/>
-          </a:p>
-        </p:txBody>
-      </p:sp>
-      <p:sp>
-        <p:nvSpPr>
-          <p:cNvPr id="7" name="Text Box 16"/>
-          <p:cNvSpPr txBox="1">
-            <a:spLocks noChangeArrowheads="1"/>
-          </p:cNvSpPr>
-          <p:nvPr/>
-        </p:nvSpPr>
-        <p:spPr bwMode="auto">
-          <a:xfrm>
-            <a:off x="611560" y="2281436"/>
-            <a:ext cx="7950579" cy="1569660"/>
-          </a:xfrm>
-          <a:prstGeom prst="rect">
-            <a:avLst/>
-          </a:prstGeom>
-          <a:ln>
-            <a:headEnd/>
-            <a:tailEnd/>
-          </a:ln>
-        </p:spPr>
-        <p:style>
-          <a:lnRef idx="1">
-            <a:schemeClr val="accent6"/>
-          </a:lnRef>
-          <a:fillRef idx="2">
-            <a:schemeClr val="accent6"/>
-          </a:fillRef>
-          <a:effectRef idx="1">
-            <a:schemeClr val="accent6"/>
-          </a:effectRef>
-          <a:fontRef idx="minor">
-            <a:schemeClr val="dk1"/>
-          </a:fontRef>
-        </p:style>
-        <p:txBody>
-          <a:bodyPr wrap="square">
-            <a:spAutoFit/>
-          </a:bodyPr>
-          <a:lstStyle/>
-          <a:p>
-            <a:pPr algn="ctr"/>
-            <a:r>
-              <a:rPr lang="sv-SE" sz="3200" b="1" dirty="0" smtClean="0">
-                <a:latin typeface="Courier New" pitchFamily="49" charset="0"/>
-              </a:rPr>
-              <a:t/>
-            </a:r>
-            <a:br>
-              <a:rPr lang="sv-SE" sz="3200" b="1" dirty="0" smtClean="0">
-                <a:latin typeface="Courier New" pitchFamily="49" charset="0"/>
-              </a:rPr>
-            </a:br>
-            <a:r>
-              <a:rPr lang="sv-SE" sz="3200" b="1" dirty="0" smtClean="0">
-                <a:solidFill>
-                  <a:srgbClr val="0070C0"/>
-                </a:solidFill>
-                <a:latin typeface="Courier New" pitchFamily="49" charset="0"/>
-              </a:rPr>
-              <a:t>&lt;div </a:t>
-            </a:r>
-            <a:r>
-              <a:rPr lang="sv-SE" sz="3200" b="1" dirty="0" smtClean="0">
-                <a:solidFill>
-                  <a:srgbClr val="FF0000"/>
-                </a:solidFill>
-                <a:latin typeface="Courier New" pitchFamily="49" charset="0"/>
-              </a:rPr>
-              <a:t>id</a:t>
-            </a:r>
-            <a:r>
-              <a:rPr lang="sv-SE" sz="3200" b="1" dirty="0" smtClean="0">
-                <a:solidFill>
-                  <a:srgbClr val="0070C0"/>
-                </a:solidFill>
-                <a:latin typeface="Courier New" pitchFamily="49" charset="0"/>
-              </a:rPr>
-              <a:t>=</a:t>
-            </a:r>
-            <a:r>
-              <a:rPr lang="sv-SE" sz="3200" b="1" dirty="0" smtClean="0">
-                <a:solidFill>
-                  <a:srgbClr val="7030A0"/>
-                </a:solidFill>
-                <a:latin typeface="Courier New" pitchFamily="49" charset="0"/>
-              </a:rPr>
-              <a:t>”container</a:t>
-            </a:r>
-            <a:r>
-              <a:rPr lang="sv-SE" sz="3200" b="1" dirty="0" smtClean="0">
-                <a:solidFill>
-                  <a:srgbClr val="7030A0"/>
-                </a:solidFill>
-                <a:latin typeface="Courier New" pitchFamily="49" charset="0"/>
-              </a:rPr>
-              <a:t>”</a:t>
-            </a:r>
-            <a:r>
-              <a:rPr lang="sv-SE" sz="3200" b="1" dirty="0" smtClean="0">
-                <a:solidFill>
-                  <a:srgbClr val="0070C0"/>
-                </a:solidFill>
-                <a:latin typeface="Courier New" pitchFamily="49" charset="0"/>
-              </a:rPr>
-              <a:t>&gt;</a:t>
-            </a:r>
-            <a:r>
-              <a:rPr lang="sv-SE" sz="3200" b="1" dirty="0" smtClean="0">
-                <a:latin typeface="Courier New" pitchFamily="49" charset="0"/>
-              </a:rPr>
-              <a:t>Text</a:t>
-            </a:r>
-            <a:r>
-              <a:rPr lang="sv-SE" sz="3200" b="1" dirty="0" smtClean="0">
-                <a:solidFill>
-                  <a:srgbClr val="0070C0"/>
-                </a:solidFill>
-                <a:latin typeface="Courier New" pitchFamily="49" charset="0"/>
-              </a:rPr>
-              <a:t>&lt;/div&gt;</a:t>
-            </a:r>
-          </a:p>
-          <a:p>
-            <a:endParaRPr lang="sv-SE" sz="3200" b="1" dirty="0">
-              <a:latin typeface="Courier New" pitchFamily="49" charset="0"/>
-            </a:endParaRPr>
-          </a:p>
-        </p:txBody>
-      </p:sp>
-    </p:spTree>
-    <p:extLst>
-      <p:ext uri="{BB962C8B-B14F-4D97-AF65-F5344CB8AC3E}">
-        <p14:creationId xmlns:p14="http://schemas.microsoft.com/office/powerpoint/2010/main" val="2787809045"/>
-      </p:ext>
-    </p:extLst>
-  </p:cSld>
-  <p:clrMapOvr>
-    <a:masterClrMapping/>
-  </p:clrMapOvr>
-  <p:timing>
-    <p:tnLst>
-      <p:par>
-        <p:cTn xmlns:p14="http://schemas.microsoft.com/office/powerpoint/2010/main" id="1" dur="indefinite" restart="never" nodeType="tmRoot"/>
-      </p:par>
-    </p:tnLst>
-  </p:timing>
-</p:sld>
-</file>
-
-<file path=ppt/slides/slide3.xml><?xml version="1.0" encoding="utf-8"?>
-<p:sld xmlns:a="http://schemas.openxmlformats.org/drawingml/2006/main" xmlns:r="http://schemas.openxmlformats.org/officeDocument/2006/relationships" xmlns:p="http://schemas.openxmlformats.org/presentationml/2006/main">
-  <p:cSld>
-    <p:spTree>
-      <p:nvGrpSpPr>
-        <p:cNvPr id="1" name=""/>
-        <p:cNvGrpSpPr/>
-        <p:nvPr/>
-      </p:nvGrpSpPr>
-      <p:grpSpPr>
-        <a:xfrm>
-          <a:off x="0" y="0"/>
-          <a:ext cx="0" cy="0"/>
-          <a:chOff x="0" y="0"/>
-          <a:chExt cx="0" cy="0"/>
-        </a:xfrm>
-      </p:grpSpPr>
-      <p:sp>
-        <p:nvSpPr>
-          <p:cNvPr id="2" name="Title 1"/>
-          <p:cNvSpPr>
-            <a:spLocks noGrp="1"/>
-          </p:cNvSpPr>
-          <p:nvPr>
-            <p:ph type="ctrTitle"/>
-          </p:nvPr>
-        </p:nvSpPr>
-        <p:spPr/>
-        <p:txBody>
-          <a:bodyPr/>
-          <a:lstStyle/>
-          <a:p>
-            <a:endParaRPr lang="en-US"/>
-          </a:p>
-        </p:txBody>
-      </p:sp>
-      <p:pic>
-        <p:nvPicPr>
-          <p:cNvPr id="5" name="Picture 4" descr="Skärmavbild 2013-09-05 kl. 09.16.57.png"/>
-          <p:cNvPicPr>
-            <a:picLocks noChangeAspect="1"/>
-          </p:cNvPicPr>
-          <p:nvPr/>
-        </p:nvPicPr>
-        <p:blipFill>
-          <a:blip r:embed="rId2">
-            <a:extLst>
-              <a:ext uri="{28A0092B-C50C-407E-A947-70E740481C1C}">
-                <a14:useLocalDpi xmlns:a14="http://schemas.microsoft.com/office/drawing/2010/main" val="0"/>
-              </a:ext>
-            </a:extLst>
-          </a:blip>
-          <a:stretch>
-            <a:fillRect/>
-          </a:stretch>
-        </p:blipFill>
-        <p:spPr>
-          <a:xfrm>
-            <a:off x="0" y="-19326"/>
-            <a:ext cx="9232920" cy="5901162"/>
-          </a:xfrm>
-          <a:prstGeom prst="rect">
-            <a:avLst/>
-          </a:prstGeom>
-        </p:spPr>
-      </p:pic>
-    </p:spTree>
-    <p:extLst>
-      <p:ext uri="{BB962C8B-B14F-4D97-AF65-F5344CB8AC3E}">
-        <p14:creationId xmlns:p14="http://schemas.microsoft.com/office/powerpoint/2010/main" val="4157232308"/>
-      </p:ext>
-    </p:extLst>
-  </p:cSld>
-  <p:clrMapOvr>
-    <a:masterClrMapping/>
-  </p:clrMapOvr>
-  <p:timing>
-    <p:tnLst>
-      <p:par>
-        <p:cTn xmlns:p14="http://schemas.microsoft.com/office/powerpoint/2010/main" id="1" dur="indefinite" restart="never" nodeType="tmRoot"/>
-      </p:par>
-    </p:tnLst>
-  </p:timing>
-</p:sld>
-</file>
-
-<file path=ppt/slides/slide30.xml><?xml version="1.0" encoding="utf-8"?>
-<p:sld xmlns:a="http://schemas.openxmlformats.org/drawingml/2006/main" xmlns:r="http://schemas.openxmlformats.org/officeDocument/2006/relationships" xmlns:p="http://schemas.openxmlformats.org/presentationml/2006/main">
-  <p:cSld>
-    <p:spTree>
-      <p:nvGrpSpPr>
-        <p:cNvPr id="1" name=""/>
-        <p:cNvGrpSpPr/>
-        <p:nvPr/>
-      </p:nvGrpSpPr>
-      <p:grpSpPr>
-        <a:xfrm>
-          <a:off x="0" y="0"/>
-          <a:ext cx="0" cy="0"/>
-          <a:chOff x="0" y="0"/>
-          <a:chExt cx="0" cy="0"/>
-        </a:xfrm>
-      </p:grpSpPr>
-      <p:sp>
-        <p:nvSpPr>
-          <p:cNvPr id="2" name="Title 1"/>
-          <p:cNvSpPr>
-            <a:spLocks noGrp="1"/>
-          </p:cNvSpPr>
-          <p:nvPr>
-            <p:ph type="ctrTitle"/>
-          </p:nvPr>
-        </p:nvSpPr>
-        <p:spPr/>
-        <p:txBody>
-          <a:bodyPr/>
-          <a:lstStyle/>
-          <a:p>
-            <a:r>
-              <a:rPr lang="en-US" dirty="0" err="1" smtClean="0"/>
-              <a:t>Taggar</a:t>
-            </a:r>
-            <a:r>
-              <a:rPr lang="en-US" dirty="0" smtClean="0"/>
-              <a:t>….</a:t>
-            </a:r>
-            <a:endParaRPr lang="en-US" dirty="0"/>
-          </a:p>
-        </p:txBody>
-      </p:sp>
-      <p:sp>
-        <p:nvSpPr>
-          <p:cNvPr id="4" name="TextBox 3"/>
-          <p:cNvSpPr txBox="1"/>
-          <p:nvPr/>
-        </p:nvSpPr>
-        <p:spPr>
-          <a:xfrm>
-            <a:off x="2267744" y="1489348"/>
-            <a:ext cx="4896544" cy="3693319"/>
-          </a:xfrm>
-          <a:prstGeom prst="rect">
-            <a:avLst/>
-          </a:prstGeom>
-          <a:noFill/>
-        </p:spPr>
-        <p:txBody>
-          <a:bodyPr wrap="square" rtlCol="0">
-            <a:spAutoFit/>
-          </a:bodyPr>
-          <a:lstStyle/>
-          <a:p>
-            <a:r>
-              <a:rPr lang="en-US" b="1" dirty="0">
-                <a:latin typeface="Minya Nouvelle" pitchFamily="2" charset="0"/>
-              </a:rPr>
-              <a:t>h</a:t>
-            </a:r>
-            <a:r>
-              <a:rPr lang="en-US" b="1" dirty="0" smtClean="0">
-                <a:latin typeface="Minya Nouvelle" pitchFamily="2" charset="0"/>
-              </a:rPr>
-              <a:t>1-h6</a:t>
-            </a:r>
-            <a:r>
-              <a:rPr lang="en-US" dirty="0" smtClean="0">
-                <a:latin typeface="Minya Nouvelle" pitchFamily="2" charset="0"/>
-              </a:rPr>
-              <a:t>		</a:t>
-            </a:r>
-            <a:r>
-              <a:rPr lang="en-US" dirty="0" err="1" smtClean="0">
-                <a:latin typeface="Minya Nouvelle" pitchFamily="2" charset="0"/>
-              </a:rPr>
-              <a:t>Rubriknivåer</a:t>
-            </a:r>
-            <a:endParaRPr lang="en-US" dirty="0" smtClean="0">
-              <a:latin typeface="Minya Nouvelle" pitchFamily="2" charset="0"/>
-            </a:endParaRPr>
-          </a:p>
-          <a:p>
-            <a:r>
-              <a:rPr lang="en-US" b="1" dirty="0">
-                <a:latin typeface="Minya Nouvelle" pitchFamily="2" charset="0"/>
-              </a:rPr>
-              <a:t>p</a:t>
-            </a:r>
-            <a:r>
-              <a:rPr lang="en-US" dirty="0" smtClean="0">
-                <a:latin typeface="Minya Nouvelle" pitchFamily="2" charset="0"/>
-              </a:rPr>
-              <a:t>		</a:t>
-            </a:r>
-            <a:r>
-              <a:rPr lang="en-US" dirty="0" err="1" smtClean="0">
-                <a:latin typeface="Minya Nouvelle" pitchFamily="2" charset="0"/>
-              </a:rPr>
-              <a:t>Stycke</a:t>
-            </a:r>
-            <a:endParaRPr lang="en-US" dirty="0" smtClean="0">
-              <a:latin typeface="Minya Nouvelle" pitchFamily="2" charset="0"/>
-            </a:endParaRPr>
-          </a:p>
-          <a:p>
-            <a:r>
-              <a:rPr lang="en-US" b="1" dirty="0" err="1" smtClean="0">
-                <a:latin typeface="Minya Nouvelle" pitchFamily="2" charset="0"/>
-              </a:rPr>
-              <a:t>ul</a:t>
-            </a:r>
-            <a:r>
-              <a:rPr lang="en-US" b="1" dirty="0" smtClean="0">
-                <a:latin typeface="Minya Nouvelle" pitchFamily="2" charset="0"/>
-              </a:rPr>
-              <a:t>, </a:t>
-            </a:r>
-            <a:r>
-              <a:rPr lang="en-US" b="1" dirty="0" err="1" smtClean="0">
-                <a:latin typeface="Minya Nouvelle" pitchFamily="2" charset="0"/>
-              </a:rPr>
-              <a:t>ol</a:t>
-            </a:r>
-            <a:r>
-              <a:rPr lang="en-US" b="1" dirty="0" smtClean="0">
-                <a:latin typeface="Minya Nouvelle" pitchFamily="2" charset="0"/>
-              </a:rPr>
-              <a:t>, dl</a:t>
-            </a:r>
-            <a:r>
-              <a:rPr lang="en-US" dirty="0" smtClean="0">
-                <a:latin typeface="Minya Nouvelle" pitchFamily="2" charset="0"/>
-              </a:rPr>
-              <a:t>		</a:t>
-            </a:r>
-            <a:r>
-              <a:rPr lang="en-US" dirty="0" err="1" smtClean="0">
-                <a:latin typeface="Minya Nouvelle" pitchFamily="2" charset="0"/>
-              </a:rPr>
-              <a:t>Listor</a:t>
-            </a:r>
-            <a:endParaRPr lang="en-US" dirty="0" smtClean="0">
-              <a:latin typeface="Minya Nouvelle" pitchFamily="2" charset="0"/>
-            </a:endParaRPr>
-          </a:p>
-          <a:p>
-            <a:r>
-              <a:rPr lang="en-US" b="1" dirty="0" smtClean="0">
-                <a:latin typeface="Minya Nouvelle" pitchFamily="2" charset="0"/>
-              </a:rPr>
-              <a:t>div, span	</a:t>
-            </a:r>
-            <a:r>
-              <a:rPr lang="en-US" dirty="0" err="1" smtClean="0">
-                <a:latin typeface="Minya Nouvelle" pitchFamily="2" charset="0"/>
-              </a:rPr>
-              <a:t>Strukturelement</a:t>
-            </a:r>
-            <a:endParaRPr lang="en-US" dirty="0" smtClean="0">
-              <a:latin typeface="Minya Nouvelle" pitchFamily="2" charset="0"/>
-            </a:endParaRPr>
-          </a:p>
-          <a:p>
-            <a:r>
-              <a:rPr lang="en-US" b="1" dirty="0" smtClean="0">
-                <a:latin typeface="Minya Nouvelle" pitchFamily="2" charset="0"/>
-              </a:rPr>
-              <a:t>&lt;!-- </a:t>
-            </a:r>
-            <a:r>
-              <a:rPr lang="en-US" b="1" dirty="0" smtClean="0">
-                <a:latin typeface="Minya Nouvelle" pitchFamily="2" charset="0"/>
-                <a:sym typeface="Wingdings"/>
-              </a:rPr>
-              <a:t>--&gt;		</a:t>
-            </a:r>
-            <a:r>
-              <a:rPr lang="en-US" dirty="0" err="1" smtClean="0">
-                <a:latin typeface="Minya Nouvelle" pitchFamily="2" charset="0"/>
-                <a:sym typeface="Wingdings"/>
-              </a:rPr>
-              <a:t>Kommentarer</a:t>
-            </a:r>
-            <a:endParaRPr lang="en-US" dirty="0" smtClean="0">
-              <a:latin typeface="Minya Nouvelle" pitchFamily="2" charset="0"/>
-              <a:sym typeface="Wingdings"/>
-            </a:endParaRPr>
-          </a:p>
-          <a:p>
-            <a:r>
-              <a:rPr lang="en-US" b="1" dirty="0" err="1" smtClean="0">
-                <a:latin typeface="Minya Nouvelle" pitchFamily="2" charset="0"/>
-                <a:sym typeface="Wingdings"/>
-              </a:rPr>
-              <a:t>img</a:t>
-            </a:r>
-            <a:r>
-              <a:rPr lang="en-US" b="1" dirty="0" smtClean="0">
-                <a:latin typeface="Minya Nouvelle" pitchFamily="2" charset="0"/>
-                <a:sym typeface="Wingdings"/>
-              </a:rPr>
-              <a:t>		</a:t>
-            </a:r>
-            <a:r>
-              <a:rPr lang="en-US" dirty="0" err="1" smtClean="0">
-                <a:latin typeface="Minya Nouvelle" pitchFamily="2" charset="0"/>
-                <a:sym typeface="Wingdings"/>
-              </a:rPr>
-              <a:t>Bilder</a:t>
-            </a:r>
-            <a:endParaRPr lang="en-US" dirty="0" smtClean="0">
-              <a:latin typeface="Minya Nouvelle" pitchFamily="2" charset="0"/>
-              <a:sym typeface="Wingdings"/>
-            </a:endParaRPr>
-          </a:p>
-          <a:p>
-            <a:r>
-              <a:rPr lang="en-US" b="1" dirty="0" smtClean="0">
-                <a:latin typeface="Minya Nouvelle" pitchFamily="2" charset="0"/>
-                <a:sym typeface="Wingdings"/>
-              </a:rPr>
-              <a:t>audio, video	</a:t>
-            </a:r>
-            <a:r>
-              <a:rPr lang="en-US" dirty="0" smtClean="0">
-                <a:latin typeface="Minya Nouvelle" pitchFamily="2" charset="0"/>
-                <a:sym typeface="Wingdings"/>
-              </a:rPr>
-              <a:t>Video </a:t>
-            </a:r>
-            <a:r>
-              <a:rPr lang="en-US" dirty="0" err="1" smtClean="0">
-                <a:latin typeface="Minya Nouvelle" pitchFamily="2" charset="0"/>
-                <a:sym typeface="Wingdings"/>
-              </a:rPr>
-              <a:t>och</a:t>
-            </a:r>
-            <a:r>
-              <a:rPr lang="en-US" dirty="0" smtClean="0">
-                <a:latin typeface="Minya Nouvelle" pitchFamily="2" charset="0"/>
-                <a:sym typeface="Wingdings"/>
-              </a:rPr>
-              <a:t> </a:t>
-            </a:r>
-            <a:r>
-              <a:rPr lang="en-US" dirty="0" err="1" smtClean="0">
-                <a:latin typeface="Minya Nouvelle" pitchFamily="2" charset="0"/>
-                <a:sym typeface="Wingdings"/>
-              </a:rPr>
-              <a:t>ljud</a:t>
-            </a:r>
-            <a:endParaRPr lang="en-US" dirty="0" smtClean="0">
-              <a:latin typeface="Minya Nouvelle" pitchFamily="2" charset="0"/>
-              <a:sym typeface="Wingdings"/>
-            </a:endParaRPr>
-          </a:p>
-          <a:p>
-            <a:r>
-              <a:rPr lang="en-US" b="1" dirty="0" smtClean="0">
-                <a:latin typeface="Minya Nouvelle" pitchFamily="2" charset="0"/>
-                <a:sym typeface="Wingdings"/>
-              </a:rPr>
-              <a:t>a		</a:t>
-            </a:r>
-            <a:r>
-              <a:rPr lang="en-US" dirty="0" err="1" smtClean="0">
-                <a:latin typeface="Minya Nouvelle" pitchFamily="2" charset="0"/>
-                <a:sym typeface="Wingdings"/>
-              </a:rPr>
-              <a:t>länkar</a:t>
-            </a:r>
-            <a:endParaRPr lang="en-US" dirty="0" smtClean="0">
-              <a:latin typeface="Minya Nouvelle" pitchFamily="2" charset="0"/>
-              <a:sym typeface="Wingdings"/>
-            </a:endParaRPr>
-          </a:p>
-          <a:p>
-            <a:r>
-              <a:rPr lang="en-US" b="1" dirty="0" smtClean="0">
-                <a:latin typeface="Minya Nouvelle" pitchFamily="2" charset="0"/>
-                <a:sym typeface="Wingdings"/>
-              </a:rPr>
-              <a:t>table</a:t>
-            </a:r>
-            <a:r>
-              <a:rPr lang="en-US" dirty="0" smtClean="0">
-                <a:latin typeface="Minya Nouvelle" pitchFamily="2" charset="0"/>
-                <a:sym typeface="Wingdings"/>
-              </a:rPr>
-              <a:t>		</a:t>
-            </a:r>
-            <a:r>
-              <a:rPr lang="en-US" dirty="0" err="1" smtClean="0">
-                <a:latin typeface="Minya Nouvelle" pitchFamily="2" charset="0"/>
-                <a:sym typeface="Wingdings"/>
-              </a:rPr>
-              <a:t>tabeller</a:t>
-            </a:r>
-            <a:endParaRPr lang="en-US" dirty="0" smtClean="0">
-              <a:latin typeface="Minya Nouvelle" pitchFamily="2" charset="0"/>
-              <a:sym typeface="Wingdings"/>
-            </a:endParaRPr>
-          </a:p>
-          <a:p>
-            <a:r>
-              <a:rPr lang="en-US" b="1" dirty="0" smtClean="0">
-                <a:latin typeface="Minya Nouvelle" pitchFamily="2" charset="0"/>
-                <a:sym typeface="Wingdings"/>
-              </a:rPr>
-              <a:t>form</a:t>
-            </a:r>
-            <a:r>
-              <a:rPr lang="en-US" dirty="0" smtClean="0">
-                <a:latin typeface="Minya Nouvelle" pitchFamily="2" charset="0"/>
-                <a:sym typeface="Wingdings"/>
-              </a:rPr>
-              <a:t>		</a:t>
-            </a:r>
-            <a:r>
-              <a:rPr lang="en-US" dirty="0" err="1" smtClean="0">
-                <a:latin typeface="Minya Nouvelle" pitchFamily="2" charset="0"/>
-                <a:sym typeface="Wingdings"/>
-              </a:rPr>
-              <a:t>formulär</a:t>
-            </a:r>
-            <a:endParaRPr lang="en-US" dirty="0" smtClean="0">
-              <a:latin typeface="Minya Nouvelle" pitchFamily="2" charset="0"/>
-              <a:sym typeface="Wingdings"/>
-            </a:endParaRPr>
-          </a:p>
-          <a:p>
-            <a:r>
-              <a:rPr lang="en-US" b="1" dirty="0" smtClean="0">
-                <a:latin typeface="Minya Nouvelle" pitchFamily="2" charset="0"/>
-              </a:rPr>
-              <a:t>header, article…	</a:t>
-            </a:r>
-            <a:r>
-              <a:rPr lang="en-US" dirty="0" err="1" smtClean="0">
-                <a:latin typeface="Minya Nouvelle" pitchFamily="2" charset="0"/>
-              </a:rPr>
-              <a:t>Strukturtaggar</a:t>
-            </a:r>
-            <a:r>
-              <a:rPr lang="en-US" dirty="0" smtClean="0">
-                <a:latin typeface="Minya Nouvelle" pitchFamily="2" charset="0"/>
-              </a:rPr>
-              <a:t> HTML5</a:t>
-            </a:r>
-          </a:p>
-          <a:p>
-            <a:r>
-              <a:rPr lang="en-US" b="1" dirty="0" smtClean="0">
-                <a:latin typeface="Minya Nouvelle" pitchFamily="2" charset="0"/>
-              </a:rPr>
-              <a:t>…	</a:t>
-            </a:r>
-          </a:p>
-          <a:p>
-            <a:r>
-              <a:rPr lang="en-US" dirty="0" smtClean="0">
-                <a:latin typeface="Minya Nouvelle" pitchFamily="2" charset="0"/>
-              </a:rPr>
-              <a:t>			</a:t>
-            </a:r>
-            <a:endParaRPr lang="en-US" dirty="0" smtClean="0">
-              <a:latin typeface="Minya Nouvelle" pitchFamily="2" charset="0"/>
-            </a:endParaRPr>
-          </a:p>
-        </p:txBody>
-      </p:sp>
-      <p:grpSp>
-        <p:nvGrpSpPr>
-          <p:cNvPr id="5" name="Group 4"/>
-          <p:cNvGrpSpPr/>
-          <p:nvPr/>
-        </p:nvGrpSpPr>
-        <p:grpSpPr>
-          <a:xfrm>
-            <a:off x="7524328" y="5017740"/>
-            <a:ext cx="1368152" cy="504056"/>
-            <a:chOff x="7452320" y="4801716"/>
-            <a:chExt cx="1368152" cy="504056"/>
-          </a:xfrm>
-        </p:grpSpPr>
-        <p:pic>
-          <p:nvPicPr>
-            <p:cNvPr id="6" name="Picture 10" descr="S:\dfm\info\icons\v-collections\v_collections_png\software_graphics_media\64x64\shadow\film.png"/>
-            <p:cNvPicPr>
-              <a:picLocks noChangeAspect="1" noChangeArrowheads="1"/>
-            </p:cNvPicPr>
-            <p:nvPr/>
-          </p:nvPicPr>
-          <p:blipFill>
-            <a:blip r:embed="rId2">
-              <a:extLst>
-                <a:ext uri="{28A0092B-C50C-407E-A947-70E740481C1C}">
-                  <a14:useLocalDpi xmlns:a14="http://schemas.microsoft.com/office/drawing/2010/main" val="0"/>
-                </a:ext>
-              </a:extLst>
-            </a:blip>
-            <a:srcRect/>
-            <a:stretch>
-              <a:fillRect/>
-            </a:stretch>
-          </p:blipFill>
-          <p:spPr bwMode="auto">
-            <a:xfrm>
-              <a:off x="7537287" y="4906855"/>
-              <a:ext cx="288032" cy="288032"/>
-            </a:xfrm>
-            <a:prstGeom prst="rect">
-              <a:avLst/>
-            </a:prstGeom>
-            <a:noFill/>
-            <a:extLst>
-              <a:ext uri="{909E8E84-426E-40dd-AFC4-6F175D3DCCD1}">
-                <a14:hiddenFill xmlns:a14="http://schemas.microsoft.com/office/drawing/2010/main">
-                  <a:solidFill>
-                    <a:srgbClr val="FFFFFF"/>
-                  </a:solidFill>
-                </a14:hiddenFill>
-              </a:ext>
-            </a:extLst>
-          </p:spPr>
-        </p:pic>
-        <p:sp>
-          <p:nvSpPr>
-            <p:cNvPr id="7" name="TextBox 6"/>
-            <p:cNvSpPr txBox="1"/>
-            <p:nvPr/>
-          </p:nvSpPr>
-          <p:spPr>
-            <a:xfrm>
-              <a:off x="7740352" y="4873724"/>
-              <a:ext cx="1080119" cy="338554"/>
-            </a:xfrm>
-            <a:prstGeom prst="rect">
-              <a:avLst/>
-            </a:prstGeom>
-            <a:noFill/>
-          </p:spPr>
-          <p:txBody>
-            <a:bodyPr wrap="square" rtlCol="0">
-              <a:spAutoFit/>
-            </a:bodyPr>
-            <a:lstStyle/>
-            <a:p>
-              <a:pPr algn="ctr"/>
-              <a:r>
-                <a:rPr lang="sv-SE" sz="1600" dirty="0" smtClean="0">
-                  <a:latin typeface="Minya Nouvelle" pitchFamily="2" charset="0"/>
-                </a:rPr>
-                <a:t>Se demo </a:t>
-              </a:r>
-            </a:p>
-          </p:txBody>
-        </p:sp>
-        <p:sp>
-          <p:nvSpPr>
-            <p:cNvPr id="8" name="Rounded Rectangle 7"/>
-            <p:cNvSpPr/>
-            <p:nvPr/>
-          </p:nvSpPr>
-          <p:spPr>
-            <a:xfrm>
-              <a:off x="7452320" y="4801716"/>
-              <a:ext cx="1368152" cy="504056"/>
-            </a:xfrm>
-            <a:prstGeom prst="roundRect">
-              <a:avLst/>
-            </a:prstGeom>
-            <a:noFill/>
-            <a:ln>
-              <a:tailEnd type="arrow"/>
-            </a:ln>
-          </p:spPr>
-          <p:style>
-            <a:lnRef idx="2">
-              <a:schemeClr val="accent6"/>
-            </a:lnRef>
-            <a:fillRef idx="1">
-              <a:schemeClr val="lt1"/>
-            </a:fillRef>
-            <a:effectRef idx="0">
-              <a:schemeClr val="accent6"/>
-            </a:effectRef>
-            <a:fontRef idx="minor">
-              <a:schemeClr val="dk1"/>
-            </a:fontRef>
-          </p:style>
-          <p:txBody>
-            <a:bodyPr rtlCol="0" anchor="ctr"/>
-            <a:lstStyle/>
-            <a:p>
-              <a:pPr algn="ctr"/>
-              <a:endParaRPr lang="sv-SE"/>
-            </a:p>
-          </p:txBody>
-        </p:sp>
-      </p:grpSp>
-    </p:spTree>
-    <p:extLst>
-      <p:ext uri="{BB962C8B-B14F-4D97-AF65-F5344CB8AC3E}">
-        <p14:creationId xmlns:p14="http://schemas.microsoft.com/office/powerpoint/2010/main" val="2041549583"/>
-      </p:ext>
-    </p:extLst>
-  </p:cSld>
-  <p:clrMapOvr>
-    <a:masterClrMapping/>
-  </p:clrMapOvr>
-  <p:timing>
-    <p:tnLst>
-      <p:par>
-        <p:cTn xmlns:p14="http://schemas.microsoft.com/office/powerpoint/2010/main" id="1" dur="indefinite" restart="never" nodeType="tmRoot"/>
-      </p:par>
-    </p:tnLst>
   </p:timing>
 </p:sld>
 </file>

--- a/Föreläsningar/F02 - HTML.pptx
+++ b/Föreläsningar/F02 - HTML.pptx
@@ -225,7 +225,7 @@
             <a:fld id="{D591C14E-198E-48A7-ABEC-7FB80E868E55}" type="datetimeFigureOut">
               <a:rPr lang="sv-SE" smtClean="0"/>
               <a:pPr/>
-              <a:t>2013-09-08</a:t>
+              <a:t>2014-09-05</a:t>
             </a:fld>
             <a:endParaRPr lang="sv-SE"/>
           </a:p>
@@ -392,7 +392,7 @@
             <a:fld id="{188BB863-C913-48B5-BD1A-638D82A0C76B}" type="datetimeFigureOut">
               <a:rPr lang="sv-SE" smtClean="0"/>
               <a:pPr/>
-              <a:t>2013-09-08</a:t>
+              <a:t>2014-09-05</a:t>
             </a:fld>
             <a:endParaRPr lang="sv-SE"/>
           </a:p>
@@ -7266,8 +7266,17 @@
               <a:rPr lang="sv-SE" sz="2800" b="1" dirty="0" smtClean="0">
                 <a:latin typeface="Minya Nouvelle" pitchFamily="2" charset="0"/>
               </a:rPr>
-              <a:t>Föreläsning 2, HT2013</a:t>
-            </a:r>
+              <a:t>Föreläsning 2, </a:t>
+            </a:r>
+            <a:r>
+              <a:rPr lang="sv-SE" sz="2800" b="1" dirty="0" smtClean="0">
+                <a:latin typeface="Minya Nouvelle" pitchFamily="2" charset="0"/>
+              </a:rPr>
+              <a:t>HT2014</a:t>
+            </a:r>
+            <a:endParaRPr lang="sv-SE" sz="2800" b="1" dirty="0" smtClean="0">
+              <a:latin typeface="Minya Nouvelle" pitchFamily="2" charset="0"/>
+            </a:endParaRPr>
           </a:p>
           <a:p>
             <a:r>
@@ -7326,47 +7335,6 @@
           </a:p>
         </p:txBody>
       </p:sp>
-      <p:pic>
-        <p:nvPicPr>
-          <p:cNvPr id="115714" name="Picture 2" descr="C:\Dropbox\Avatar\Avatar228x228.jpg"/>
-          <p:cNvPicPr>
-            <a:picLocks noChangeAspect="1" noChangeArrowheads="1"/>
-          </p:cNvPicPr>
-          <p:nvPr/>
-        </p:nvPicPr>
-        <p:blipFill>
-          <a:blip r:embed="rId2">
-            <a:extLst>
-              <a:ext uri="{28A0092B-C50C-407E-A947-70E740481C1C}">
-                <a14:useLocalDpi xmlns:a14="http://schemas.microsoft.com/office/drawing/2010/main" val="0"/>
-              </a:ext>
-            </a:extLst>
-          </a:blip>
-          <a:srcRect/>
-          <a:stretch>
-            <a:fillRect/>
-          </a:stretch>
-        </p:blipFill>
-        <p:spPr bwMode="auto">
-          <a:xfrm>
-            <a:off x="6156176" y="2785492"/>
-            <a:ext cx="2088232" cy="2088232"/>
-          </a:xfrm>
-          <a:prstGeom prst="rect">
-            <a:avLst/>
-          </a:prstGeom>
-          <a:noFill/>
-          <a:extLst>
-            <a:ext uri="{909E8E84-426E-40dd-AFC4-6F175D3DCCD1}">
-              <a14:hiddenFill xmlns:a14="http://schemas.microsoft.com/office/drawing/2010/main">
-                <a:solidFill>
-                  <a:srgbClr val="FFFFFF"/>
-                </a:solidFill>
-              </a14:hiddenFill>
-            </a:ext>
-          </a:extLst>
-        </p:spPr>
-      </p:pic>
       <p:sp>
         <p:nvSpPr>
           <p:cNvPr id="4" name="TextBox 3"/>
@@ -7399,6 +7367,36 @@
           </a:p>
         </p:txBody>
       </p:sp>
+      <p:pic>
+        <p:nvPicPr>
+          <p:cNvPr id="7" name="Picture 6" descr="square.jpg"/>
+          <p:cNvPicPr>
+            <a:picLocks noChangeAspect="1"/>
+          </p:cNvPicPr>
+          <p:nvPr/>
+        </p:nvPicPr>
+        <p:blipFill>
+          <a:blip r:embed="rId2" cstate="print">
+            <a:extLst>
+              <a:ext uri="{28A0092B-C50C-407E-A947-70E740481C1C}">
+                <a14:useLocalDpi xmlns:a14="http://schemas.microsoft.com/office/drawing/2010/main" val="0"/>
+              </a:ext>
+            </a:extLst>
+          </a:blip>
+          <a:stretch>
+            <a:fillRect/>
+          </a:stretch>
+        </p:blipFill>
+        <p:spPr>
+          <a:xfrm>
+            <a:off x="6075837" y="2785492"/>
+            <a:ext cx="2096563" cy="2096563"/>
+          </a:xfrm>
+          <a:prstGeom prst="rect">
+            <a:avLst/>
+          </a:prstGeom>
+        </p:spPr>
+      </p:pic>
     </p:spTree>
     <p:extLst>
       <p:ext uri="{BB962C8B-B14F-4D97-AF65-F5344CB8AC3E}">
@@ -15434,9 +15432,6 @@
               </a:rPr>
               <a:t>Taggar</a:t>
             </a:r>
-            <a:endParaRPr lang="sv-SE" dirty="0" smtClean="0">
-              <a:latin typeface="Minya Nouvelle" pitchFamily="2" charset="0"/>
-            </a:endParaRPr>
           </a:p>
           <a:p>
             <a:pPr marL="285750" indent="-285750">

--- a/Föreläsningar/F02 - HTML.pptx
+++ b/Föreläsningar/F02 - HTML.pptx
@@ -225,7 +225,7 @@
             <a:fld id="{D591C14E-198E-48A7-ABEC-7FB80E868E55}" type="datetimeFigureOut">
               <a:rPr lang="sv-SE" smtClean="0"/>
               <a:pPr/>
-              <a:t>2014-09-05</a:t>
+              <a:t>2014-09-09</a:t>
             </a:fld>
             <a:endParaRPr lang="sv-SE"/>
           </a:p>
@@ -392,7 +392,7 @@
             <a:fld id="{188BB863-C913-48B5-BD1A-638D82A0C76B}" type="datetimeFigureOut">
               <a:rPr lang="sv-SE" smtClean="0"/>
               <a:pPr/>
-              <a:t>2014-09-05</a:t>
+              <a:t>2014-09-09</a:t>
             </a:fld>
             <a:endParaRPr lang="sv-SE"/>
           </a:p>
@@ -7266,17 +7266,8 @@
               <a:rPr lang="sv-SE" sz="2800" b="1" dirty="0" smtClean="0">
                 <a:latin typeface="Minya Nouvelle" pitchFamily="2" charset="0"/>
               </a:rPr>
-              <a:t>Föreläsning 2, </a:t>
-            </a:r>
-            <a:r>
-              <a:rPr lang="sv-SE" sz="2800" b="1" dirty="0" smtClean="0">
-                <a:latin typeface="Minya Nouvelle" pitchFamily="2" charset="0"/>
-              </a:rPr>
-              <a:t>HT2014</a:t>
-            </a:r>
-            <a:endParaRPr lang="sv-SE" sz="2800" b="1" dirty="0" smtClean="0">
-              <a:latin typeface="Minya Nouvelle" pitchFamily="2" charset="0"/>
-            </a:endParaRPr>
+              <a:t>Föreläsning 2, HT2014</a:t>
+            </a:r>
           </a:p>
           <a:p>
             <a:r>
